--- a/FinalProjPresentation.pptx
+++ b/FinalProjPresentation.pptx
@@ -9465,13 +9465,98 @@
           <a:p>
             <a:pPr lvl="1"/>
             <a:r>
+              <a:rPr lang="en-US" dirty="0" smtClean="0"/>
+              <a:t>REST API uses </a:t>
+            </a:r>
+            <a:r>
               <a:rPr lang="en-US" dirty="0" err="1" smtClean="0"/>
-              <a:t>yongxu</a:t>
-            </a:r>
+              <a:t>Oauth</a:t>
+            </a:r>
+            <a:r>
+              <a:rPr lang="en-US" dirty="0" smtClean="0"/>
+              <a:t> API to make authorized GET requests</a:t>
+            </a:r>
+          </a:p>
+          <a:p>
+            <a:pPr lvl="1"/>
+            <a:r>
+              <a:rPr lang="en-US" dirty="0" smtClean="0"/>
+              <a:t>We power it using Google App Engine</a:t>
+            </a:r>
+          </a:p>
+          <a:p>
+            <a:pPr lvl="1"/>
+            <a:r>
+              <a:rPr lang="en-US" dirty="0" smtClean="0"/>
+              <a:t>Can retrieve any user’s home timeline, controlling</a:t>
+            </a:r>
+          </a:p>
+          <a:p>
+            <a:pPr lvl="2"/>
+            <a:r>
+              <a:rPr lang="en-US" dirty="0" smtClean="0"/>
+              <a:t>Count</a:t>
+            </a:r>
+          </a:p>
+          <a:p>
+            <a:pPr lvl="2"/>
+            <a:r>
+              <a:rPr lang="en-US" dirty="0" smtClean="0"/>
+              <a:t>Replies allowed</a:t>
+            </a:r>
+          </a:p>
+          <a:p>
+            <a:pPr lvl="2"/>
+            <a:r>
+              <a:rPr lang="en-US" dirty="0" smtClean="0"/>
+              <a:t>IDs returned</a:t>
+            </a:r>
+            <a:endParaRPr lang="en-US" dirty="0" smtClean="0"/>
+          </a:p>
+          <a:p>
+            <a:pPr lvl="2"/>
+            <a:endParaRPr lang="en-US" dirty="0" smtClean="0"/>
+          </a:p>
+          <a:p>
+            <a:pPr lvl="2"/>
+            <a:endParaRPr lang="en-US" dirty="0" smtClean="0"/>
+          </a:p>
+          <a:p>
+            <a:pPr lvl="1"/>
             <a:endParaRPr lang="en-US" dirty="0"/>
           </a:p>
         </p:txBody>
       </p:sp>
+      <p:pic>
+        <p:nvPicPr>
+          <p:cNvPr id="5" name="Picture 4" descr="Screen Shot 2012-12-20 at 3.20.11 PM.png"/>
+          <p:cNvPicPr>
+            <a:picLocks noChangeAspect="1"/>
+          </p:cNvPicPr>
+          <p:nvPr/>
+        </p:nvPicPr>
+        <p:blipFill>
+          <a:blip r:embed="rId4">
+            <a:extLst>
+              <a:ext uri="{28A0092B-C50C-407E-A947-70E740481C1C}">
+                <a14:useLocalDpi xmlns:a14="http://schemas.microsoft.com/office/drawing/2010/main" val="0"/>
+              </a:ext>
+            </a:extLst>
+          </a:blip>
+          <a:stretch>
+            <a:fillRect/>
+          </a:stretch>
+        </p:blipFill>
+        <p:spPr>
+          <a:xfrm>
+            <a:off x="954218" y="4583224"/>
+            <a:ext cx="4453564" cy="2405210"/>
+          </a:xfrm>
+          <a:prstGeom prst="rect">
+            <a:avLst/>
+          </a:prstGeom>
+        </p:spPr>
+      </p:pic>
     </p:spTree>
     <p:extLst>
       <p:ext uri="{BB962C8B-B14F-4D97-AF65-F5344CB8AC3E}">
@@ -9780,9 +9865,44 @@
           <a:p>
             <a:pPr lvl="1"/>
             <a:r>
+              <a:rPr lang="en-US" dirty="0" smtClean="0"/>
+              <a:t>Uses </a:t>
+            </a:r>
+            <a:r>
               <a:rPr lang="en-US" dirty="0" err="1" smtClean="0"/>
-              <a:t>petre</a:t>
-            </a:r>
+              <a:t>jQuery</a:t>
+            </a:r>
+            <a:r>
+              <a:rPr lang="en-US" dirty="0" smtClean="0"/>
+              <a:t> to create tooltip highlighting</a:t>
+            </a:r>
+          </a:p>
+          <a:p>
+            <a:pPr lvl="1"/>
+            <a:r>
+              <a:rPr lang="en-US" dirty="0" smtClean="0"/>
+              <a:t>Sends requests to the Cloud </a:t>
+            </a:r>
+          </a:p>
+          <a:p>
+            <a:pPr lvl="2"/>
+            <a:r>
+              <a:rPr lang="en-US" dirty="0" smtClean="0"/>
+              <a:t>Sends keywords and receives back tweets in </a:t>
+            </a:r>
+            <a:r>
+              <a:rPr lang="en-US" dirty="0" err="1" smtClean="0"/>
+              <a:t>json</a:t>
+            </a:r>
+            <a:r>
+              <a:rPr lang="en-US" smtClean="0"/>
+              <a:t> format</a:t>
+            </a:r>
+          </a:p>
+          <a:p>
+            <a:pPr marL="365760" lvl="1" indent="0">
+              <a:buNone/>
+            </a:pPr>
             <a:endParaRPr lang="en-US" dirty="0" smtClean="0"/>
           </a:p>
           <a:p>

--- a/FinalProjPresentation.pptx
+++ b/FinalProjPresentation.pptx
@@ -12,10 +12,11 @@
     <p:sldId id="260" r:id="rId6"/>
     <p:sldId id="258" r:id="rId7"/>
     <p:sldId id="262" r:id="rId8"/>
-    <p:sldId id="263" r:id="rId9"/>
-    <p:sldId id="264" r:id="rId10"/>
-    <p:sldId id="265" r:id="rId11"/>
-    <p:sldId id="266" r:id="rId12"/>
+    <p:sldId id="267" r:id="rId9"/>
+    <p:sldId id="268" r:id="rId10"/>
+    <p:sldId id="264" r:id="rId11"/>
+    <p:sldId id="265" r:id="rId12"/>
+    <p:sldId id="266" r:id="rId13"/>
   </p:sldIdLst>
   <p:sldSz cx="9144000" cy="6858000" type="screen4x3"/>
   <p:notesSz cx="6858000" cy="9144000"/>
@@ -116,7 +117,7 @@
   </p:defaultTextStyle>
   <p:extLst>
     <p:ext uri="{521415D9-36F7-43E2-AB2F-B90AF26B5E84}">
-      <p14:sectionLst xmlns:p14="http://schemas.microsoft.com/office/powerpoint/2010/main">
+      <p14:sectionLst xmlns:p14="http://schemas.microsoft.com/office/powerpoint/2010/main" xmlns="">
         <p14:section name="Default Section" id="{01AA4CE5-EF0B-F549-AD1B-E4D99B2E443B}">
           <p14:sldIdLst>
             <p14:sldId id="256"/>
@@ -322,7 +323,8 @@
           <a:p>
             <a:fld id="{CA4034FB-BBFA-A045-900E-825E073D5224}" type="datetimeFigureOut">
               <a:rPr lang="en-US" smtClean="0"/>
-              <a:t>12/20/12</a:t>
+              <a:pPr/>
+              <a:t>12/21/2012</a:t>
             </a:fld>
             <a:endParaRPr lang="en-US"/>
           </a:p>
@@ -364,6 +366,7 @@
           <a:p>
             <a:fld id="{557F9721-94ED-E347-99D8-A6C4A8D205B3}" type="slidenum">
               <a:rPr lang="en-US" smtClean="0"/>
+              <a:pPr/>
               <a:t>‹#›</a:t>
             </a:fld>
             <a:endParaRPr lang="en-US"/>
@@ -373,7 +376,7 @@
     </p:spTree>
     <p:extLst>
       <p:ext uri="{BB962C8B-B14F-4D97-AF65-F5344CB8AC3E}">
-        <p14:creationId xmlns:p14="http://schemas.microsoft.com/office/powerpoint/2010/main" val="2652689859"/>
+        <p14:creationId xmlns:p14="http://schemas.microsoft.com/office/powerpoint/2010/main" xmlns="" val="2652689859"/>
       </p:ext>
     </p:extLst>
   </p:cSld>
@@ -492,7 +495,8 @@
           <a:p>
             <a:fld id="{CA4034FB-BBFA-A045-900E-825E073D5224}" type="datetimeFigureOut">
               <a:rPr lang="en-US" smtClean="0"/>
-              <a:t>12/20/12</a:t>
+              <a:pPr/>
+              <a:t>12/21/2012</a:t>
             </a:fld>
             <a:endParaRPr lang="en-US"/>
           </a:p>
@@ -534,6 +538,7 @@
           <a:p>
             <a:fld id="{557F9721-94ED-E347-99D8-A6C4A8D205B3}" type="slidenum">
               <a:rPr lang="en-US" smtClean="0"/>
+              <a:pPr/>
               <a:t>‹#›</a:t>
             </a:fld>
             <a:endParaRPr lang="en-US"/>
@@ -543,7 +548,7 @@
     </p:spTree>
     <p:extLst>
       <p:ext uri="{BB962C8B-B14F-4D97-AF65-F5344CB8AC3E}">
-        <p14:creationId xmlns:p14="http://schemas.microsoft.com/office/powerpoint/2010/main" val="3191485533"/>
+        <p14:creationId xmlns:p14="http://schemas.microsoft.com/office/powerpoint/2010/main" xmlns="" val="3191485533"/>
       </p:ext>
     </p:extLst>
   </p:cSld>
@@ -672,7 +677,8 @@
           <a:p>
             <a:fld id="{CA4034FB-BBFA-A045-900E-825E073D5224}" type="datetimeFigureOut">
               <a:rPr lang="en-US" smtClean="0"/>
-              <a:t>12/20/12</a:t>
+              <a:pPr/>
+              <a:t>12/21/2012</a:t>
             </a:fld>
             <a:endParaRPr lang="en-US"/>
           </a:p>
@@ -714,6 +720,7 @@
           <a:p>
             <a:fld id="{557F9721-94ED-E347-99D8-A6C4A8D205B3}" type="slidenum">
               <a:rPr lang="en-US" smtClean="0"/>
+              <a:pPr/>
               <a:t>‹#›</a:t>
             </a:fld>
             <a:endParaRPr lang="en-US"/>
@@ -723,7 +730,7 @@
     </p:spTree>
     <p:extLst>
       <p:ext uri="{BB962C8B-B14F-4D97-AF65-F5344CB8AC3E}">
-        <p14:creationId xmlns:p14="http://schemas.microsoft.com/office/powerpoint/2010/main" val="1920986561"/>
+        <p14:creationId xmlns:p14="http://schemas.microsoft.com/office/powerpoint/2010/main" xmlns="" val="1920986561"/>
       </p:ext>
     </p:extLst>
   </p:cSld>
@@ -1155,7 +1162,8 @@
           <a:p>
             <a:fld id="{BAFFDE9D-9B08-2A46-9554-98708D580724}" type="datetimeFigureOut">
               <a:rPr lang="en-US" smtClean="0"/>
-              <a:t>12/20/12</a:t>
+              <a:pPr/>
+              <a:t>12/21/2012</a:t>
             </a:fld>
             <a:endParaRPr lang="en-US"/>
           </a:p>
@@ -1197,6 +1205,7 @@
           <a:p>
             <a:fld id="{76E2E6FE-70C7-434A-9BEC-49D34E237C4E}" type="slidenum">
               <a:rPr lang="en-US" smtClean="0"/>
+              <a:pPr/>
               <a:t>‹#›</a:t>
             </a:fld>
             <a:endParaRPr lang="en-US"/>
@@ -1246,7 +1255,7 @@
   <p:timing>
     <p:tnLst>
       <p:par>
-        <p:cTn xmlns:p14="http://schemas.microsoft.com/office/powerpoint/2010/main" id="1" dur="indefinite" restart="never" nodeType="tmRoot"/>
+        <p:cTn id="1" dur="indefinite" restart="never" nodeType="tmRoot"/>
       </p:par>
     </p:tnLst>
   </p:timing>
@@ -1287,7 +1296,8 @@
           <a:p>
             <a:fld id="{BAFFDE9D-9B08-2A46-9554-98708D580724}" type="datetimeFigureOut">
               <a:rPr lang="en-US" smtClean="0"/>
-              <a:t>12/20/12</a:t>
+              <a:pPr/>
+              <a:t>12/21/2012</a:t>
             </a:fld>
             <a:endParaRPr lang="en-US"/>
           </a:p>
@@ -1329,6 +1339,7 @@
           <a:p>
             <a:fld id="{76E2E6FE-70C7-434A-9BEC-49D34E237C4E}" type="slidenum">
               <a:rPr lang="en-US" smtClean="0"/>
+              <a:pPr/>
               <a:t>‹#›</a:t>
             </a:fld>
             <a:endParaRPr lang="en-US"/>
@@ -1433,7 +1444,7 @@
             <a:alphaModFix amt="45000"/>
             <a:extLst>
               <a:ext uri="{BEBA8EAE-BF5A-486C-A8C5-ECC9F3942E4B}">
-                <a14:imgProps xmlns:a14="http://schemas.microsoft.com/office/drawing/2010/main">
+                <a14:imgProps xmlns:a14="http://schemas.microsoft.com/office/drawing/2010/main" xmlns="">
                   <a14:imgLayer r:embed="rId3">
                     <a14:imgEffect>
                       <a14:backgroundRemoval t="677" b="95937" l="0" r="98667">
@@ -1473,7 +1484,7 @@
             <a:alphaModFix amt="43000"/>
             <a:extLst>
               <a:ext uri="{BEBA8EAE-BF5A-486C-A8C5-ECC9F3942E4B}">
-                <a14:imgProps xmlns:a14="http://schemas.microsoft.com/office/drawing/2010/main">
+                <a14:imgProps xmlns:a14="http://schemas.microsoft.com/office/drawing/2010/main" xmlns="">
                   <a14:imgLayer r:embed="rId5">
                     <a14:imgEffect>
                       <a14:backgroundRemoval t="10000" b="90000" l="10000" r="90000"/>
@@ -1505,7 +1516,7 @@
   <p:timing>
     <p:tnLst>
       <p:par>
-        <p:cTn xmlns:p14="http://schemas.microsoft.com/office/powerpoint/2010/main" id="1" dur="indefinite" restart="never" nodeType="tmRoot"/>
+        <p:cTn id="1" dur="indefinite" restart="never" nodeType="tmRoot"/>
       </p:par>
     </p:tnLst>
   </p:timing>
@@ -1965,7 +1976,8 @@
           <a:p>
             <a:fld id="{BAFFDE9D-9B08-2A46-9554-98708D580724}" type="datetimeFigureOut">
               <a:rPr lang="en-US" smtClean="0"/>
-              <a:t>12/20/12</a:t>
+              <a:pPr/>
+              <a:t>12/21/2012</a:t>
             </a:fld>
             <a:endParaRPr lang="en-US"/>
           </a:p>
@@ -2007,6 +2019,7 @@
           <a:p>
             <a:fld id="{76E2E6FE-70C7-434A-9BEC-49D34E237C4E}" type="slidenum">
               <a:rPr lang="en-US" smtClean="0"/>
+              <a:pPr/>
               <a:t>‹#›</a:t>
             </a:fld>
             <a:endParaRPr lang="en-US"/>
@@ -2021,7 +2034,7 @@
   <p:timing>
     <p:tnLst>
       <p:par>
-        <p:cTn xmlns:p14="http://schemas.microsoft.com/office/powerpoint/2010/main" id="1" dur="indefinite" restart="never" nodeType="tmRoot"/>
+        <p:cTn id="1" dur="indefinite" restart="never" nodeType="tmRoot"/>
       </p:par>
     </p:tnLst>
   </p:timing>
@@ -2062,7 +2075,8 @@
           <a:p>
             <a:fld id="{BAFFDE9D-9B08-2A46-9554-98708D580724}" type="datetimeFigureOut">
               <a:rPr lang="en-US" smtClean="0"/>
-              <a:t>12/20/12</a:t>
+              <a:pPr/>
+              <a:t>12/21/2012</a:t>
             </a:fld>
             <a:endParaRPr lang="en-US"/>
           </a:p>
@@ -2104,6 +2118,7 @@
           <a:p>
             <a:fld id="{76E2E6FE-70C7-434A-9BEC-49D34E237C4E}" type="slidenum">
               <a:rPr lang="en-US" smtClean="0"/>
+              <a:pPr/>
               <a:t>‹#›</a:t>
             </a:fld>
             <a:endParaRPr lang="en-US"/>
@@ -2255,7 +2270,7 @@
   <p:timing>
     <p:tnLst>
       <p:par>
-        <p:cTn xmlns:p14="http://schemas.microsoft.com/office/powerpoint/2010/main" id="1" dur="indefinite" restart="never" nodeType="tmRoot"/>
+        <p:cTn id="1" dur="indefinite" restart="never" nodeType="tmRoot"/>
       </p:par>
     </p:tnLst>
   </p:timing>
@@ -2667,7 +2682,8 @@
           <a:p>
             <a:fld id="{BAFFDE9D-9B08-2A46-9554-98708D580724}" type="datetimeFigureOut">
               <a:rPr lang="en-US" smtClean="0"/>
-              <a:t>12/20/12</a:t>
+              <a:pPr/>
+              <a:t>12/21/2012</a:t>
             </a:fld>
             <a:endParaRPr lang="en-US"/>
           </a:p>
@@ -2709,6 +2725,7 @@
           <a:p>
             <a:fld id="{76E2E6FE-70C7-434A-9BEC-49D34E237C4E}" type="slidenum">
               <a:rPr lang="en-US" smtClean="0"/>
+              <a:pPr/>
               <a:t>‹#›</a:t>
             </a:fld>
             <a:endParaRPr lang="en-US"/>
@@ -2746,7 +2763,7 @@
   <p:timing>
     <p:tnLst>
       <p:par>
-        <p:cTn xmlns:p14="http://schemas.microsoft.com/office/powerpoint/2010/main" id="1" dur="indefinite" restart="never" nodeType="tmRoot"/>
+        <p:cTn id="1" dur="indefinite" restart="never" nodeType="tmRoot"/>
       </p:par>
     </p:tnLst>
   </p:timing>
@@ -2810,7 +2827,8 @@
           <a:p>
             <a:fld id="{BAFFDE9D-9B08-2A46-9554-98708D580724}" type="datetimeFigureOut">
               <a:rPr lang="en-US" smtClean="0"/>
-              <a:t>12/20/12</a:t>
+              <a:pPr/>
+              <a:t>12/21/2012</a:t>
             </a:fld>
             <a:endParaRPr lang="en-US"/>
           </a:p>
@@ -2852,6 +2870,7 @@
           <a:p>
             <a:fld id="{76E2E6FE-70C7-434A-9BEC-49D34E237C4E}" type="slidenum">
               <a:rPr lang="en-US" smtClean="0"/>
+              <a:pPr/>
               <a:t>‹#›</a:t>
             </a:fld>
             <a:endParaRPr lang="en-US"/>
@@ -2866,7 +2885,7 @@
   <p:timing>
     <p:tnLst>
       <p:par>
-        <p:cTn xmlns:p14="http://schemas.microsoft.com/office/powerpoint/2010/main" id="1" dur="indefinite" restart="never" nodeType="tmRoot"/>
+        <p:cTn id="1" dur="indefinite" restart="never" nodeType="tmRoot"/>
       </p:par>
     </p:tnLst>
   </p:timing>
@@ -2907,7 +2926,8 @@
           <a:p>
             <a:fld id="{BAFFDE9D-9B08-2A46-9554-98708D580724}" type="datetimeFigureOut">
               <a:rPr lang="en-US" smtClean="0"/>
-              <a:t>12/20/12</a:t>
+              <a:pPr/>
+              <a:t>12/21/2012</a:t>
             </a:fld>
             <a:endParaRPr lang="en-US"/>
           </a:p>
@@ -2949,6 +2969,7 @@
           <a:p>
             <a:fld id="{76E2E6FE-70C7-434A-9BEC-49D34E237C4E}" type="slidenum">
               <a:rPr lang="en-US" smtClean="0"/>
+              <a:pPr/>
               <a:t>‹#›</a:t>
             </a:fld>
             <a:endParaRPr lang="en-US"/>
@@ -2963,7 +2984,7 @@
   <p:timing>
     <p:tnLst>
       <p:par>
-        <p:cTn xmlns:p14="http://schemas.microsoft.com/office/powerpoint/2010/main" id="1" dur="indefinite" restart="never" nodeType="tmRoot"/>
+        <p:cTn id="1" dur="indefinite" restart="never" nodeType="tmRoot"/>
       </p:par>
     </p:tnLst>
   </p:timing>
@@ -3191,7 +3212,8 @@
           <a:p>
             <a:fld id="{BAFFDE9D-9B08-2A46-9554-98708D580724}" type="datetimeFigureOut">
               <a:rPr lang="en-US" smtClean="0"/>
-              <a:t>12/20/12</a:t>
+              <a:pPr/>
+              <a:t>12/21/2012</a:t>
             </a:fld>
             <a:endParaRPr lang="en-US"/>
           </a:p>
@@ -3233,6 +3255,7 @@
           <a:p>
             <a:fld id="{76E2E6FE-70C7-434A-9BEC-49D34E237C4E}" type="slidenum">
               <a:rPr lang="en-US" smtClean="0"/>
+              <a:pPr/>
               <a:t>‹#›</a:t>
             </a:fld>
             <a:endParaRPr lang="en-US"/>
@@ -3247,7 +3270,7 @@
   <p:timing>
     <p:tnLst>
       <p:par>
-        <p:cTn xmlns:p14="http://schemas.microsoft.com/office/powerpoint/2010/main" id="1" dur="indefinite" restart="never" nodeType="tmRoot"/>
+        <p:cTn id="1" dur="indefinite" restart="never" nodeType="tmRoot"/>
       </p:par>
     </p:tnLst>
   </p:timing>
@@ -3363,7 +3386,8 @@
           <a:p>
             <a:fld id="{CA4034FB-BBFA-A045-900E-825E073D5224}" type="datetimeFigureOut">
               <a:rPr lang="en-US" smtClean="0"/>
-              <a:t>12/20/12</a:t>
+              <a:pPr/>
+              <a:t>12/21/2012</a:t>
             </a:fld>
             <a:endParaRPr lang="en-US"/>
           </a:p>
@@ -3405,6 +3429,7 @@
           <a:p>
             <a:fld id="{557F9721-94ED-E347-99D8-A6C4A8D205B3}" type="slidenum">
               <a:rPr lang="en-US" smtClean="0"/>
+              <a:pPr/>
               <a:t>‹#›</a:t>
             </a:fld>
             <a:endParaRPr lang="en-US"/>
@@ -3414,7 +3439,7 @@
     </p:spTree>
     <p:extLst>
       <p:ext uri="{BB962C8B-B14F-4D97-AF65-F5344CB8AC3E}">
-        <p14:creationId xmlns:p14="http://schemas.microsoft.com/office/powerpoint/2010/main" val="185357461"/>
+        <p14:creationId xmlns:p14="http://schemas.microsoft.com/office/powerpoint/2010/main" xmlns="" val="185357461"/>
       </p:ext>
     </p:extLst>
   </p:cSld>
@@ -3883,7 +3908,8 @@
           <a:p>
             <a:fld id="{BAFFDE9D-9B08-2A46-9554-98708D580724}" type="datetimeFigureOut">
               <a:rPr lang="en-US" smtClean="0"/>
-              <a:t>12/20/12</a:t>
+              <a:pPr/>
+              <a:t>12/21/2012</a:t>
             </a:fld>
             <a:endParaRPr lang="en-US"/>
           </a:p>
@@ -3925,6 +3951,7 @@
           <a:p>
             <a:fld id="{76E2E6FE-70C7-434A-9BEC-49D34E237C4E}" type="slidenum">
               <a:rPr lang="en-US" smtClean="0"/>
+              <a:pPr/>
               <a:t>‹#›</a:t>
             </a:fld>
             <a:endParaRPr lang="en-US"/>
@@ -3973,7 +4000,7 @@
   <p:timing>
     <p:tnLst>
       <p:par>
-        <p:cTn xmlns:p14="http://schemas.microsoft.com/office/powerpoint/2010/main" id="1" dur="indefinite" restart="never" nodeType="tmRoot"/>
+        <p:cTn id="1" dur="indefinite" restart="never" nodeType="tmRoot"/>
       </p:par>
     </p:tnLst>
   </p:timing>
@@ -4094,7 +4121,8 @@
           <a:p>
             <a:fld id="{BAFFDE9D-9B08-2A46-9554-98708D580724}" type="datetimeFigureOut">
               <a:rPr lang="en-US" smtClean="0"/>
-              <a:t>12/20/12</a:t>
+              <a:pPr/>
+              <a:t>12/21/2012</a:t>
             </a:fld>
             <a:endParaRPr lang="en-US"/>
           </a:p>
@@ -4136,6 +4164,7 @@
           <a:p>
             <a:fld id="{76E2E6FE-70C7-434A-9BEC-49D34E237C4E}" type="slidenum">
               <a:rPr lang="en-US" smtClean="0"/>
+              <a:pPr/>
               <a:t>‹#›</a:t>
             </a:fld>
             <a:endParaRPr lang="en-US"/>
@@ -4150,7 +4179,7 @@
   <p:timing>
     <p:tnLst>
       <p:par>
-        <p:cTn xmlns:p14="http://schemas.microsoft.com/office/powerpoint/2010/main" id="1" dur="indefinite" restart="never" nodeType="tmRoot"/>
+        <p:cTn id="1" dur="indefinite" restart="never" nodeType="tmRoot"/>
       </p:par>
     </p:tnLst>
   </p:timing>
@@ -4281,7 +4310,8 @@
           <a:p>
             <a:fld id="{BAFFDE9D-9B08-2A46-9554-98708D580724}" type="datetimeFigureOut">
               <a:rPr lang="en-US" smtClean="0"/>
-              <a:t>12/20/12</a:t>
+              <a:pPr/>
+              <a:t>12/21/2012</a:t>
             </a:fld>
             <a:endParaRPr lang="en-US"/>
           </a:p>
@@ -4323,6 +4353,7 @@
           <a:p>
             <a:fld id="{76E2E6FE-70C7-434A-9BEC-49D34E237C4E}" type="slidenum">
               <a:rPr lang="en-US" smtClean="0"/>
+              <a:pPr/>
               <a:t>‹#›</a:t>
             </a:fld>
             <a:endParaRPr lang="en-US"/>
@@ -4337,7 +4368,7 @@
   <p:timing>
     <p:tnLst>
       <p:par>
-        <p:cTn xmlns:p14="http://schemas.microsoft.com/office/powerpoint/2010/main" id="1" dur="indefinite" restart="never" nodeType="tmRoot"/>
+        <p:cTn id="1" dur="indefinite" restart="never" nodeType="tmRoot"/>
       </p:par>
     </p:tnLst>
   </p:timing>
@@ -4529,7 +4560,8 @@
           <a:p>
             <a:fld id="{CA4034FB-BBFA-A045-900E-825E073D5224}" type="datetimeFigureOut">
               <a:rPr lang="en-US" smtClean="0"/>
-              <a:t>12/20/12</a:t>
+              <a:pPr/>
+              <a:t>12/21/2012</a:t>
             </a:fld>
             <a:endParaRPr lang="en-US"/>
           </a:p>
@@ -4571,6 +4603,7 @@
           <a:p>
             <a:fld id="{557F9721-94ED-E347-99D8-A6C4A8D205B3}" type="slidenum">
               <a:rPr lang="en-US" smtClean="0"/>
+              <a:pPr/>
               <a:t>‹#›</a:t>
             </a:fld>
             <a:endParaRPr lang="en-US"/>
@@ -4580,7 +4613,7 @@
     </p:spTree>
     <p:extLst>
       <p:ext uri="{BB962C8B-B14F-4D97-AF65-F5344CB8AC3E}">
-        <p14:creationId xmlns:p14="http://schemas.microsoft.com/office/powerpoint/2010/main" val="3137665293"/>
+        <p14:creationId xmlns:p14="http://schemas.microsoft.com/office/powerpoint/2010/main" xmlns="" val="3137665293"/>
       </p:ext>
     </p:extLst>
   </p:cSld>
@@ -4817,7 +4850,8 @@
           <a:p>
             <a:fld id="{CA4034FB-BBFA-A045-900E-825E073D5224}" type="datetimeFigureOut">
               <a:rPr lang="en-US" smtClean="0"/>
-              <a:t>12/20/12</a:t>
+              <a:pPr/>
+              <a:t>12/21/2012</a:t>
             </a:fld>
             <a:endParaRPr lang="en-US"/>
           </a:p>
@@ -4859,6 +4893,7 @@
           <a:p>
             <a:fld id="{557F9721-94ED-E347-99D8-A6C4A8D205B3}" type="slidenum">
               <a:rPr lang="en-US" smtClean="0"/>
+              <a:pPr/>
               <a:t>‹#›</a:t>
             </a:fld>
             <a:endParaRPr lang="en-US"/>
@@ -4868,7 +4903,7 @@
     </p:spTree>
     <p:extLst>
       <p:ext uri="{BB962C8B-B14F-4D97-AF65-F5344CB8AC3E}">
-        <p14:creationId xmlns:p14="http://schemas.microsoft.com/office/powerpoint/2010/main" val="755437161"/>
+        <p14:creationId xmlns:p14="http://schemas.microsoft.com/office/powerpoint/2010/main" xmlns="" val="755437161"/>
       </p:ext>
     </p:extLst>
   </p:cSld>
@@ -5239,7 +5274,8 @@
           <a:p>
             <a:fld id="{CA4034FB-BBFA-A045-900E-825E073D5224}" type="datetimeFigureOut">
               <a:rPr lang="en-US" smtClean="0"/>
-              <a:t>12/20/12</a:t>
+              <a:pPr/>
+              <a:t>12/21/2012</a:t>
             </a:fld>
             <a:endParaRPr lang="en-US"/>
           </a:p>
@@ -5281,6 +5317,7 @@
           <a:p>
             <a:fld id="{557F9721-94ED-E347-99D8-A6C4A8D205B3}" type="slidenum">
               <a:rPr lang="en-US" smtClean="0"/>
+              <a:pPr/>
               <a:t>‹#›</a:t>
             </a:fld>
             <a:endParaRPr lang="en-US"/>
@@ -5290,7 +5327,7 @@
     </p:spTree>
     <p:extLst>
       <p:ext uri="{BB962C8B-B14F-4D97-AF65-F5344CB8AC3E}">
-        <p14:creationId xmlns:p14="http://schemas.microsoft.com/office/powerpoint/2010/main" val="2464715175"/>
+        <p14:creationId xmlns:p14="http://schemas.microsoft.com/office/powerpoint/2010/main" xmlns="" val="2464715175"/>
       </p:ext>
     </p:extLst>
   </p:cSld>
@@ -5357,7 +5394,8 @@
           <a:p>
             <a:fld id="{CA4034FB-BBFA-A045-900E-825E073D5224}" type="datetimeFigureOut">
               <a:rPr lang="en-US" smtClean="0"/>
-              <a:t>12/20/12</a:t>
+              <a:pPr/>
+              <a:t>12/21/2012</a:t>
             </a:fld>
             <a:endParaRPr lang="en-US"/>
           </a:p>
@@ -5399,6 +5437,7 @@
           <a:p>
             <a:fld id="{557F9721-94ED-E347-99D8-A6C4A8D205B3}" type="slidenum">
               <a:rPr lang="en-US" smtClean="0"/>
+              <a:pPr/>
               <a:t>‹#›</a:t>
             </a:fld>
             <a:endParaRPr lang="en-US"/>
@@ -5408,7 +5447,7 @@
     </p:spTree>
     <p:extLst>
       <p:ext uri="{BB962C8B-B14F-4D97-AF65-F5344CB8AC3E}">
-        <p14:creationId xmlns:p14="http://schemas.microsoft.com/office/powerpoint/2010/main" val="1377667079"/>
+        <p14:creationId xmlns:p14="http://schemas.microsoft.com/office/powerpoint/2010/main" xmlns="" val="1377667079"/>
       </p:ext>
     </p:extLst>
   </p:cSld>
@@ -5452,7 +5491,8 @@
           <a:p>
             <a:fld id="{CA4034FB-BBFA-A045-900E-825E073D5224}" type="datetimeFigureOut">
               <a:rPr lang="en-US" smtClean="0"/>
-              <a:t>12/20/12</a:t>
+              <a:pPr/>
+              <a:t>12/21/2012</a:t>
             </a:fld>
             <a:endParaRPr lang="en-US"/>
           </a:p>
@@ -5494,6 +5534,7 @@
           <a:p>
             <a:fld id="{557F9721-94ED-E347-99D8-A6C4A8D205B3}" type="slidenum">
               <a:rPr lang="en-US" smtClean="0"/>
+              <a:pPr/>
               <a:t>‹#›</a:t>
             </a:fld>
             <a:endParaRPr lang="en-US"/>
@@ -5503,7 +5544,7 @@
     </p:spTree>
     <p:extLst>
       <p:ext uri="{BB962C8B-B14F-4D97-AF65-F5344CB8AC3E}">
-        <p14:creationId xmlns:p14="http://schemas.microsoft.com/office/powerpoint/2010/main" val="4184464099"/>
+        <p14:creationId xmlns:p14="http://schemas.microsoft.com/office/powerpoint/2010/main" xmlns="" val="4184464099"/>
       </p:ext>
     </p:extLst>
   </p:cSld>
@@ -5729,7 +5770,8 @@
           <a:p>
             <a:fld id="{CA4034FB-BBFA-A045-900E-825E073D5224}" type="datetimeFigureOut">
               <a:rPr lang="en-US" smtClean="0"/>
-              <a:t>12/20/12</a:t>
+              <a:pPr/>
+              <a:t>12/21/2012</a:t>
             </a:fld>
             <a:endParaRPr lang="en-US"/>
           </a:p>
@@ -5771,6 +5813,7 @@
           <a:p>
             <a:fld id="{557F9721-94ED-E347-99D8-A6C4A8D205B3}" type="slidenum">
               <a:rPr lang="en-US" smtClean="0"/>
+              <a:pPr/>
               <a:t>‹#›</a:t>
             </a:fld>
             <a:endParaRPr lang="en-US"/>
@@ -5780,7 +5823,7 @@
     </p:spTree>
     <p:extLst>
       <p:ext uri="{BB962C8B-B14F-4D97-AF65-F5344CB8AC3E}">
-        <p14:creationId xmlns:p14="http://schemas.microsoft.com/office/powerpoint/2010/main" val="2527544198"/>
+        <p14:creationId xmlns:p14="http://schemas.microsoft.com/office/powerpoint/2010/main" xmlns="" val="2527544198"/>
       </p:ext>
     </p:extLst>
   </p:cSld>
@@ -5982,7 +6025,8 @@
           <a:p>
             <a:fld id="{CA4034FB-BBFA-A045-900E-825E073D5224}" type="datetimeFigureOut">
               <a:rPr lang="en-US" smtClean="0"/>
-              <a:t>12/20/12</a:t>
+              <a:pPr/>
+              <a:t>12/21/2012</a:t>
             </a:fld>
             <a:endParaRPr lang="en-US"/>
           </a:p>
@@ -6024,6 +6068,7 @@
           <a:p>
             <a:fld id="{557F9721-94ED-E347-99D8-A6C4A8D205B3}" type="slidenum">
               <a:rPr lang="en-US" smtClean="0"/>
+              <a:pPr/>
               <a:t>‹#›</a:t>
             </a:fld>
             <a:endParaRPr lang="en-US"/>
@@ -6033,7 +6078,7 @@
     </p:spTree>
     <p:extLst>
       <p:ext uri="{BB962C8B-B14F-4D97-AF65-F5344CB8AC3E}">
-        <p14:creationId xmlns:p14="http://schemas.microsoft.com/office/powerpoint/2010/main" val="4162057796"/>
+        <p14:creationId xmlns:p14="http://schemas.microsoft.com/office/powerpoint/2010/main" xmlns="" val="4162057796"/>
       </p:ext>
     </p:extLst>
   </p:cSld>
@@ -6195,7 +6240,8 @@
           <a:p>
             <a:fld id="{CA4034FB-BBFA-A045-900E-825E073D5224}" type="datetimeFigureOut">
               <a:rPr lang="en-US" smtClean="0"/>
-              <a:t>12/20/12</a:t>
+              <a:pPr/>
+              <a:t>12/21/2012</a:t>
             </a:fld>
             <a:endParaRPr lang="en-US"/>
           </a:p>
@@ -6273,6 +6319,7 @@
           <a:p>
             <a:fld id="{557F9721-94ED-E347-99D8-A6C4A8D205B3}" type="slidenum">
               <a:rPr lang="en-US" smtClean="0"/>
+              <a:pPr/>
               <a:t>‹#›</a:t>
             </a:fld>
             <a:endParaRPr lang="en-US"/>
@@ -6282,7 +6329,7 @@
     </p:spTree>
     <p:extLst>
       <p:ext uri="{BB962C8B-B14F-4D97-AF65-F5344CB8AC3E}">
-        <p14:creationId xmlns:p14="http://schemas.microsoft.com/office/powerpoint/2010/main" val="3269474631"/>
+        <p14:creationId xmlns:p14="http://schemas.microsoft.com/office/powerpoint/2010/main" xmlns="" val="3269474631"/>
       </p:ext>
     </p:extLst>
   </p:cSld>
@@ -6303,7 +6350,7 @@
   <p:timing>
     <p:tnLst>
       <p:par>
-        <p:cTn xmlns:p14="http://schemas.microsoft.com/office/powerpoint/2010/main" id="1" dur="indefinite" restart="never" nodeType="tmRoot"/>
+        <p:cTn id="1" dur="indefinite" restart="never" nodeType="tmRoot"/>
       </p:par>
     </p:tnLst>
   </p:timing>
@@ -6983,7 +7030,8 @@
           <a:p>
             <a:fld id="{CA4034FB-BBFA-A045-900E-825E073D5224}" type="datetimeFigureOut">
               <a:rPr lang="en-US" smtClean="0"/>
-              <a:t>12/20/12</a:t>
+              <a:pPr/>
+              <a:t>12/21/2012</a:t>
             </a:fld>
             <a:endParaRPr lang="en-US"/>
           </a:p>
@@ -7063,6 +7111,7 @@
           <a:p>
             <a:fld id="{557F9721-94ED-E347-99D8-A6C4A8D205B3}" type="slidenum">
               <a:rPr lang="en-US" smtClean="0"/>
+              <a:pPr/>
               <a:t>‹#›</a:t>
             </a:fld>
             <a:endParaRPr lang="en-US"/>
@@ -7088,7 +7137,7 @@
   <p:timing>
     <p:tnLst>
       <p:par>
-        <p:cTn xmlns:p14="http://schemas.microsoft.com/office/powerpoint/2010/main" id="1" dur="indefinite" restart="never" nodeType="tmRoot"/>
+        <p:cTn id="1" dur="indefinite" restart="never" nodeType="tmRoot"/>
       </p:par>
     </p:tnLst>
   </p:timing>
@@ -7839,7 +7888,7 @@
             <a:alphaModFix amt="43000"/>
             <a:extLst>
               <a:ext uri="{BEBA8EAE-BF5A-486C-A8C5-ECC9F3942E4B}">
-                <a14:imgProps xmlns:a14="http://schemas.microsoft.com/office/drawing/2010/main">
+                <a14:imgProps xmlns:a14="http://schemas.microsoft.com/office/drawing/2010/main" xmlns="">
                   <a14:imgLayer r:embed="rId3">
                     <a14:imgEffect>
                       <a14:backgroundRemoval t="10000" b="90000" l="10000" r="90000"/>
@@ -8073,7 +8122,7 @@
             <a:alphaModFix amt="45000"/>
             <a:extLst>
               <a:ext uri="{BEBA8EAE-BF5A-486C-A8C5-ECC9F3942E4B}">
-                <a14:imgProps xmlns:a14="http://schemas.microsoft.com/office/drawing/2010/main">
+                <a14:imgProps xmlns:a14="http://schemas.microsoft.com/office/drawing/2010/main" xmlns="">
                   <a14:imgLayer r:embed="rId5">
                     <a14:imgEffect>
                       <a14:backgroundRemoval t="677" b="95937" l="0" r="98667">
@@ -8103,7 +8152,7 @@
     </p:spTree>
     <p:extLst>
       <p:ext uri="{BB962C8B-B14F-4D97-AF65-F5344CB8AC3E}">
-        <p14:creationId xmlns:p14="http://schemas.microsoft.com/office/powerpoint/2010/main" val="2144517530"/>
+        <p14:creationId xmlns:p14="http://schemas.microsoft.com/office/powerpoint/2010/main" xmlns="" val="2144517530"/>
       </p:ext>
     </p:extLst>
   </p:cSld>
@@ -8113,7 +8162,7 @@
   <p:timing>
     <p:tnLst>
       <p:par>
-        <p:cTn xmlns:p14="http://schemas.microsoft.com/office/powerpoint/2010/main" id="1" dur="indefinite" restart="never" nodeType="tmRoot"/>
+        <p:cTn id="1" dur="indefinite" restart="never" nodeType="tmRoot"/>
       </p:par>
     </p:tnLst>
   </p:timing>
@@ -8154,6 +8203,185 @@
           <a:p>
             <a:r>
               <a:rPr lang="en-US" dirty="0" smtClean="0"/>
+              <a:t>Technologies Used</a:t>
+            </a:r>
+            <a:endParaRPr lang="en-US" dirty="0"/>
+          </a:p>
+        </p:txBody>
+      </p:sp>
+      <p:sp>
+        <p:nvSpPr>
+          <p:cNvPr id="3" name="Content Placeholder 2"/>
+          <p:cNvSpPr>
+            <a:spLocks noGrp="1"/>
+          </p:cNvSpPr>
+          <p:nvPr>
+            <p:ph sz="quarter" idx="13"/>
+          </p:nvPr>
+        </p:nvSpPr>
+        <p:spPr>
+          <a:xfrm>
+            <a:off x="457200" y="1819876"/>
+            <a:ext cx="8229600" cy="4525963"/>
+          </a:xfrm>
+        </p:spPr>
+        <p:txBody>
+          <a:bodyPr/>
+          <a:lstStyle/>
+          <a:p>
+            <a:pPr marL="0" indent="0">
+              <a:buNone/>
+            </a:pPr>
+            <a:r>
+              <a:rPr lang="en-US" dirty="0" smtClean="0"/>
+              <a:t>Chrome Extension Tools, </a:t>
+            </a:r>
+            <a:r>
+              <a:rPr lang="en-US" dirty="0" err="1" smtClean="0"/>
+              <a:t>Javascript</a:t>
+            </a:r>
+            <a:endParaRPr lang="en-US" dirty="0" smtClean="0"/>
+          </a:p>
+          <a:p>
+            <a:pPr lvl="1"/>
+            <a:r>
+              <a:rPr lang="en-US" dirty="0" smtClean="0"/>
+              <a:t>Uses </a:t>
+            </a:r>
+            <a:r>
+              <a:rPr lang="en-US" dirty="0" err="1" smtClean="0"/>
+              <a:t>jQuery</a:t>
+            </a:r>
+            <a:r>
+              <a:rPr lang="en-US" dirty="0" smtClean="0"/>
+              <a:t> to create tooltip highlighting</a:t>
+            </a:r>
+          </a:p>
+          <a:p>
+            <a:pPr lvl="1"/>
+            <a:r>
+              <a:rPr lang="en-US" dirty="0" smtClean="0"/>
+              <a:t>Sends requests to the Cloud </a:t>
+            </a:r>
+          </a:p>
+          <a:p>
+            <a:pPr lvl="2"/>
+            <a:r>
+              <a:rPr lang="en-US" dirty="0" smtClean="0"/>
+              <a:t>Sends keywords and receives back tweets in </a:t>
+            </a:r>
+            <a:r>
+              <a:rPr lang="en-US" dirty="0" err="1" smtClean="0"/>
+              <a:t>json</a:t>
+            </a:r>
+            <a:r>
+              <a:rPr lang="en-US" smtClean="0"/>
+              <a:t> format</a:t>
+            </a:r>
+          </a:p>
+          <a:p>
+            <a:pPr marL="365760" lvl="1" indent="0">
+              <a:buNone/>
+            </a:pPr>
+            <a:endParaRPr lang="en-US" dirty="0" smtClean="0"/>
+          </a:p>
+          <a:p>
+            <a:endParaRPr lang="en-US" dirty="0"/>
+          </a:p>
+        </p:txBody>
+      </p:sp>
+      <p:pic>
+        <p:nvPicPr>
+          <p:cNvPr id="7" name="Picture 6"/>
+          <p:cNvPicPr>
+            <a:picLocks noChangeAspect="1"/>
+          </p:cNvPicPr>
+          <p:nvPr/>
+        </p:nvPicPr>
+        <p:blipFill>
+          <a:blip r:embed="rId2">
+            <a:extLst>
+              <a:ext uri="{BEBA8EAE-BF5A-486C-A8C5-ECC9F3942E4B}">
+                <a14:imgProps xmlns:a14="http://schemas.microsoft.com/office/drawing/2010/main" xmlns="">
+                  <a14:imgLayer r:embed="rId3">
+                    <a14:imgEffect>
+                      <a14:backgroundRemoval t="4688" b="89941" l="10000" r="86563">
+                        <a14:foregroundMark x1="63750" y1="37793" x2="63750" y2="37793"/>
+                      </a14:backgroundRemoval>
+                    </a14:imgEffect>
+                  </a14:imgLayer>
+                </a14:imgProps>
+              </a:ext>
+            </a:extLst>
+          </a:blip>
+          <a:stretch>
+            <a:fillRect/>
+          </a:stretch>
+        </p:blipFill>
+        <p:spPr>
+          <a:xfrm>
+            <a:off x="7030650" y="5086865"/>
+            <a:ext cx="1656150" cy="1324920"/>
+          </a:xfrm>
+          <a:prstGeom prst="rect">
+            <a:avLst/>
+          </a:prstGeom>
+        </p:spPr>
+      </p:pic>
+    </p:spTree>
+    <p:extLst>
+      <p:ext uri="{BB962C8B-B14F-4D97-AF65-F5344CB8AC3E}">
+        <p14:creationId xmlns:p14="http://schemas.microsoft.com/office/powerpoint/2010/main" xmlns="" val="3621912806"/>
+      </p:ext>
+    </p:extLst>
+  </p:cSld>
+  <p:clrMapOvr>
+    <a:masterClrMapping/>
+  </p:clrMapOvr>
+  <p:timing>
+    <p:tnLst>
+      <p:par>
+        <p:cTn id="1" dur="indefinite" restart="never" nodeType="tmRoot"/>
+      </p:par>
+    </p:tnLst>
+  </p:timing>
+</p:sld>
+</file>
+
+<file path=ppt/slides/slide11.xml><?xml version="1.0" encoding="utf-8"?>
+<p:sld xmlns:a="http://schemas.openxmlformats.org/drawingml/2006/main" xmlns:r="http://schemas.openxmlformats.org/officeDocument/2006/relationships" xmlns:p="http://schemas.openxmlformats.org/presentationml/2006/main">
+  <p:cSld>
+    <p:spTree>
+      <p:nvGrpSpPr>
+        <p:cNvPr id="1" name=""/>
+        <p:cNvGrpSpPr/>
+        <p:nvPr/>
+      </p:nvGrpSpPr>
+      <p:grpSpPr>
+        <a:xfrm>
+          <a:off x="0" y="0"/>
+          <a:ext cx="0" cy="0"/>
+          <a:chOff x="0" y="0"/>
+          <a:chExt cx="0" cy="0"/>
+        </a:xfrm>
+      </p:grpSpPr>
+      <p:sp>
+        <p:nvSpPr>
+          <p:cNvPr id="2" name="Title 1"/>
+          <p:cNvSpPr>
+            <a:spLocks noGrp="1"/>
+          </p:cNvSpPr>
+          <p:nvPr>
+            <p:ph type="title"/>
+          </p:nvPr>
+        </p:nvSpPr>
+        <p:spPr/>
+        <p:txBody>
+          <a:bodyPr/>
+          <a:lstStyle/>
+          <a:p>
+            <a:r>
+              <a:rPr lang="en-US" dirty="0" smtClean="0"/>
               <a:t>Now for a demo.</a:t>
             </a:r>
             <a:endParaRPr lang="en-US" dirty="0"/>
@@ -8172,7 +8400,7 @@
           <a:blip r:embed="rId2">
             <a:extLst>
               <a:ext uri="{BEBA8EAE-BF5A-486C-A8C5-ECC9F3942E4B}">
-                <a14:imgProps xmlns:a14="http://schemas.microsoft.com/office/drawing/2010/main">
+                <a14:imgProps xmlns:a14="http://schemas.microsoft.com/office/drawing/2010/main" xmlns="">
                   <a14:imgLayer r:embed="rId3">
                     <a14:imgEffect>
                       <a14:backgroundRemoval t="6272" b="91638" l="6000" r="57077">
@@ -8204,7 +8432,7 @@
     </p:spTree>
     <p:extLst>
       <p:ext uri="{BB962C8B-B14F-4D97-AF65-F5344CB8AC3E}">
-        <p14:creationId xmlns:p14="http://schemas.microsoft.com/office/powerpoint/2010/main" val="2323704991"/>
+        <p14:creationId xmlns:p14="http://schemas.microsoft.com/office/powerpoint/2010/main" xmlns="" val="2323704991"/>
       </p:ext>
     </p:extLst>
   </p:cSld>
@@ -8214,7 +8442,7 @@
   <p:timing>
     <p:tnLst>
       <p:par>
-        <p:cTn xmlns:p14="http://schemas.microsoft.com/office/powerpoint/2010/main" id="1" dur="indefinite" restart="never" nodeType="tmRoot"/>
+        <p:cTn id="1" dur="indefinite" restart="never" nodeType="tmRoot"/>
       </p:par>
     </p:tnLst>
   </p:timing>
@@ -8359,7 +8587,7 @@
           <a:blip r:embed="rId2">
             <a:extLst>
               <a:ext uri="{28A0092B-C50C-407E-A947-70E740481C1C}">
-                <a14:useLocalDpi xmlns:a14="http://schemas.microsoft.com/office/drawing/2010/main" val="0"/>
+                <a14:useLocalDpi xmlns:a14="http://schemas.microsoft.com/office/drawing/2010/main" xmlns="" val="0"/>
               </a:ext>
             </a:extLst>
           </a:blip>
@@ -8380,7 +8608,7 @@
     </p:spTree>
     <p:extLst>
       <p:ext uri="{BB962C8B-B14F-4D97-AF65-F5344CB8AC3E}">
-        <p14:creationId xmlns:p14="http://schemas.microsoft.com/office/powerpoint/2010/main" val="2369100358"/>
+        <p14:creationId xmlns:p14="http://schemas.microsoft.com/office/powerpoint/2010/main" xmlns="" val="2369100358"/>
       </p:ext>
     </p:extLst>
   </p:cSld>
@@ -8390,7 +8618,7 @@
   <p:timing>
     <p:tnLst>
       <p:par>
-        <p:cTn xmlns:p14="http://schemas.microsoft.com/office/powerpoint/2010/main" id="1" dur="indefinite" restart="never" nodeType="tmRoot"/>
+        <p:cTn id="1" dur="indefinite" restart="never" nodeType="tmRoot"/>
       </p:par>
     </p:tnLst>
   </p:timing>
@@ -8527,7 +8755,7 @@
           <a:blip r:embed="rId2">
             <a:extLst>
               <a:ext uri="{BEBA8EAE-BF5A-486C-A8C5-ECC9F3942E4B}">
-                <a14:imgProps xmlns:a14="http://schemas.microsoft.com/office/drawing/2010/main">
+                <a14:imgProps xmlns:a14="http://schemas.microsoft.com/office/drawing/2010/main" xmlns="">
                   <a14:imgLayer r:embed="rId3">
                     <a14:imgEffect>
                       <a14:backgroundRemoval t="1231" b="97538" l="2157" r="97451">
@@ -8564,7 +8792,7 @@
     </p:spTree>
     <p:extLst>
       <p:ext uri="{BB962C8B-B14F-4D97-AF65-F5344CB8AC3E}">
-        <p14:creationId xmlns:p14="http://schemas.microsoft.com/office/powerpoint/2010/main" val="4188604081"/>
+        <p14:creationId xmlns:p14="http://schemas.microsoft.com/office/powerpoint/2010/main" xmlns="" val="4188604081"/>
       </p:ext>
     </p:extLst>
   </p:cSld>
@@ -8574,7 +8802,7 @@
   <p:timing>
     <p:tnLst>
       <p:par>
-        <p:cTn xmlns:p14="http://schemas.microsoft.com/office/powerpoint/2010/main" id="1" dur="indefinite" restart="never" nodeType="tmRoot"/>
+        <p:cTn id="1" dur="indefinite" restart="never" nodeType="tmRoot"/>
       </p:par>
     </p:tnLst>
   </p:timing>
@@ -8698,7 +8926,7 @@
           <a:blip r:embed="rId2">
             <a:extLst>
               <a:ext uri="{28A0092B-C50C-407E-A947-70E740481C1C}">
-                <a14:useLocalDpi xmlns:a14="http://schemas.microsoft.com/office/drawing/2010/main" val="0"/>
+                <a14:useLocalDpi xmlns:a14="http://schemas.microsoft.com/office/drawing/2010/main" xmlns="" val="0"/>
               </a:ext>
             </a:extLst>
           </a:blip>
@@ -9018,7 +9246,7 @@
     </p:spTree>
     <p:extLst>
       <p:ext uri="{BB962C8B-B14F-4D97-AF65-F5344CB8AC3E}">
-        <p14:creationId xmlns:p14="http://schemas.microsoft.com/office/powerpoint/2010/main" val="420161913"/>
+        <p14:creationId xmlns:p14="http://schemas.microsoft.com/office/powerpoint/2010/main" xmlns="" val="420161913"/>
       </p:ext>
     </p:extLst>
   </p:cSld>
@@ -9028,7 +9256,7 @@
   <p:timing>
     <p:tnLst>
       <p:par>
-        <p:cTn xmlns:p14="http://schemas.microsoft.com/office/powerpoint/2010/main" id="1" dur="indefinite" restart="never" nodeType="tmRoot"/>
+        <p:cTn id="1" dur="indefinite" restart="never" nodeType="tmRoot"/>
       </p:par>
     </p:tnLst>
   </p:timing>
@@ -9159,7 +9387,7 @@
           <a:blip r:embed="rId2">
             <a:extLst>
               <a:ext uri="{BEBA8EAE-BF5A-486C-A8C5-ECC9F3942E4B}">
-                <a14:imgProps xmlns:a14="http://schemas.microsoft.com/office/drawing/2010/main">
+                <a14:imgProps xmlns:a14="http://schemas.microsoft.com/office/drawing/2010/main" xmlns="">
                   <a14:imgLayer r:embed="rId3">
                     <a14:imgEffect>
                       <a14:backgroundRemoval t="4688" b="89941" l="10000" r="86563">
@@ -9188,7 +9416,7 @@
     </p:spTree>
     <p:extLst>
       <p:ext uri="{BB962C8B-B14F-4D97-AF65-F5344CB8AC3E}">
-        <p14:creationId xmlns:p14="http://schemas.microsoft.com/office/powerpoint/2010/main" val="208449360"/>
+        <p14:creationId xmlns:p14="http://schemas.microsoft.com/office/powerpoint/2010/main" xmlns="" val="208449360"/>
       </p:ext>
     </p:extLst>
   </p:cSld>
@@ -9198,7 +9426,7 @@
   <p:timing>
     <p:tnLst>
       <p:par>
-        <p:cTn xmlns:p14="http://schemas.microsoft.com/office/powerpoint/2010/main" id="1" dur="indefinite" restart="never" nodeType="tmRoot"/>
+        <p:cTn id="1" dur="indefinite" restart="never" nodeType="tmRoot"/>
       </p:par>
     </p:tnLst>
   </p:timing>
@@ -9267,8 +9495,23 @@
           <a:p>
             <a:r>
               <a:rPr lang="en-US" dirty="0" smtClean="0"/>
-              <a:t>Google App Engine</a:t>
-            </a:r>
+              <a:t>Google App </a:t>
+            </a:r>
+            <a:r>
+              <a:rPr lang="en-US" dirty="0" smtClean="0"/>
+              <a:t>Engine</a:t>
+            </a:r>
+          </a:p>
+          <a:p>
+            <a:r>
+              <a:rPr lang="en-US" altLang="zh-CN" dirty="0" smtClean="0"/>
+              <a:t>Amazon EC2 </a:t>
+            </a:r>
+            <a:r>
+              <a:rPr lang="en-US" altLang="zh-CN" dirty="0" smtClean="0"/>
+              <a:t>instance</a:t>
+            </a:r>
+            <a:endParaRPr lang="en-US" dirty="0" smtClean="0"/>
           </a:p>
           <a:p>
             <a:r>
@@ -9310,7 +9553,7 @@
           <a:blip r:embed="rId2">
             <a:extLst>
               <a:ext uri="{BEBA8EAE-BF5A-486C-A8C5-ECC9F3942E4B}">
-                <a14:imgProps xmlns:a14="http://schemas.microsoft.com/office/drawing/2010/main">
+                <a14:imgProps xmlns:a14="http://schemas.microsoft.com/office/drawing/2010/main" xmlns="">
                   <a14:imgLayer r:embed="rId3">
                     <a14:imgEffect>
                       <a14:backgroundRemoval t="4688" b="89941" l="10000" r="86563">
@@ -9339,7 +9582,7 @@
     </p:spTree>
     <p:extLst>
       <p:ext uri="{BB962C8B-B14F-4D97-AF65-F5344CB8AC3E}">
-        <p14:creationId xmlns:p14="http://schemas.microsoft.com/office/powerpoint/2010/main" val="2340456491"/>
+        <p14:creationId xmlns:p14="http://schemas.microsoft.com/office/powerpoint/2010/main" xmlns="" val="2340456491"/>
       </p:ext>
     </p:extLst>
   </p:cSld>
@@ -9349,7 +9592,7 @@
   <p:timing>
     <p:tnLst>
       <p:par>
-        <p:cTn xmlns:p14="http://schemas.microsoft.com/office/powerpoint/2010/main" id="1" dur="indefinite" restart="never" nodeType="tmRoot"/>
+        <p:cTn id="1" dur="indefinite" restart="never" nodeType="tmRoot"/>
       </p:par>
     </p:tnLst>
   </p:timing>
@@ -9385,7 +9628,7 @@
           <a:blip r:embed="rId2">
             <a:extLst>
               <a:ext uri="{BEBA8EAE-BF5A-486C-A8C5-ECC9F3942E4B}">
-                <a14:imgProps xmlns:a14="http://schemas.microsoft.com/office/drawing/2010/main">
+                <a14:imgProps xmlns="" xmlns:a14="http://schemas.microsoft.com/office/drawing/2010/main">
                   <a14:imgLayer r:embed="rId3">
                     <a14:imgEffect>
                       <a14:backgroundRemoval t="4688" b="89941" l="10000" r="86563">
@@ -9511,7 +9754,6 @@
               <a:rPr lang="en-US" dirty="0" smtClean="0"/>
               <a:t>IDs returned</a:t>
             </a:r>
-            <a:endParaRPr lang="en-US" dirty="0" smtClean="0"/>
           </a:p>
           <a:p>
             <a:pPr lvl="2"/>
@@ -9529,17 +9771,88 @@
       </p:sp>
       <p:pic>
         <p:nvPicPr>
-          <p:cNvPr id="5" name="Picture 4" descr="Screen Shot 2012-12-20 at 3.20.11 PM.png"/>
+          <p:cNvPr id="4098" name="Picture 2" descr="https://dev.twitter.com/sites/default/files/images_documentation/sign-in-flow3-3legged.png"/>
+          <p:cNvPicPr>
+            <a:picLocks noChangeAspect="1" noChangeArrowheads="1"/>
+          </p:cNvPicPr>
+          <p:nvPr/>
+        </p:nvPicPr>
+        <p:blipFill>
+          <a:blip r:embed="rId4"/>
+          <a:srcRect/>
+          <a:stretch>
+            <a:fillRect/>
+          </a:stretch>
+        </p:blipFill>
+        <p:spPr bwMode="auto">
+          <a:xfrm>
+            <a:off x="457200" y="4674134"/>
+            <a:ext cx="6276975" cy="1876425"/>
+          </a:xfrm>
+          <a:prstGeom prst="rect">
+            <a:avLst/>
+          </a:prstGeom>
+          <a:noFill/>
+        </p:spPr>
+      </p:pic>
+    </p:spTree>
+    <p:extLst>
+      <p:ext uri="{BB962C8B-B14F-4D97-AF65-F5344CB8AC3E}">
+        <p14:creationId xmlns="" xmlns:p14="http://schemas.microsoft.com/office/powerpoint/2010/main" val="10880439"/>
+      </p:ext>
+    </p:extLst>
+  </p:cSld>
+  <p:clrMapOvr>
+    <a:masterClrMapping/>
+  </p:clrMapOvr>
+  <p:timing>
+    <p:tnLst>
+      <p:par>
+        <p:cTn id="1" dur="indefinite" restart="never" nodeType="tmRoot"/>
+      </p:par>
+    </p:tnLst>
+  </p:timing>
+</p:sld>
+</file>
+
+<file path=ppt/slides/slide8.xml><?xml version="1.0" encoding="utf-8"?>
+<p:sld xmlns:a="http://schemas.openxmlformats.org/drawingml/2006/main" xmlns:r="http://schemas.openxmlformats.org/officeDocument/2006/relationships" xmlns:p="http://schemas.openxmlformats.org/presentationml/2006/main">
+  <p:cSld>
+    <p:spTree>
+      <p:nvGrpSpPr>
+        <p:cNvPr id="1" name=""/>
+        <p:cNvGrpSpPr/>
+        <p:nvPr/>
+      </p:nvGrpSpPr>
+      <p:grpSpPr>
+        <a:xfrm>
+          <a:off x="0" y="0"/>
+          <a:ext cx="0" cy="0"/>
+          <a:chOff x="0" y="0"/>
+          <a:chExt cx="0" cy="0"/>
+        </a:xfrm>
+      </p:grpSpPr>
+      <p:pic>
+        <p:nvPicPr>
+          <p:cNvPr id="4" name="Picture 3"/>
           <p:cNvPicPr>
             <a:picLocks noChangeAspect="1"/>
           </p:cNvPicPr>
           <p:nvPr/>
         </p:nvPicPr>
         <p:blipFill>
-          <a:blip r:embed="rId4">
+          <a:blip r:embed="rId2">
             <a:extLst>
-              <a:ext uri="{28A0092B-C50C-407E-A947-70E740481C1C}">
-                <a14:useLocalDpi xmlns:a14="http://schemas.microsoft.com/office/drawing/2010/main" val="0"/>
+              <a:ext uri="{BEBA8EAE-BF5A-486C-A8C5-ECC9F3942E4B}">
+                <a14:imgProps xmlns="" xmlns:a14="http://schemas.microsoft.com/office/drawing/2010/main">
+                  <a14:imgLayer r:embed="rId3">
+                    <a14:imgEffect>
+                      <a14:backgroundRemoval t="4688" b="89941" l="10000" r="86563">
+                        <a14:foregroundMark x1="63750" y1="37793" x2="63750" y2="37793"/>
+                      </a14:backgroundRemoval>
+                    </a14:imgEffect>
+                  </a14:imgLayer>
+                </a14:imgProps>
               </a:ext>
             </a:extLst>
           </a:blip>
@@ -9549,18 +9862,163 @@
         </p:blipFill>
         <p:spPr>
           <a:xfrm>
-            <a:off x="954218" y="4583224"/>
-            <a:ext cx="4453564" cy="2405210"/>
+            <a:off x="7079047" y="5114324"/>
+            <a:ext cx="1656150" cy="1324920"/>
           </a:xfrm>
           <a:prstGeom prst="rect">
             <a:avLst/>
           </a:prstGeom>
         </p:spPr>
       </p:pic>
+      <p:sp>
+        <p:nvSpPr>
+          <p:cNvPr id="2" name="Title 1"/>
+          <p:cNvSpPr>
+            <a:spLocks noGrp="1"/>
+          </p:cNvSpPr>
+          <p:nvPr>
+            <p:ph type="title"/>
+          </p:nvPr>
+        </p:nvSpPr>
+        <p:spPr/>
+        <p:txBody>
+          <a:bodyPr/>
+          <a:lstStyle/>
+          <a:p>
+            <a:r>
+              <a:rPr lang="en-US" dirty="0" smtClean="0"/>
+              <a:t>Technologies Used</a:t>
+            </a:r>
+            <a:endParaRPr lang="en-US" dirty="0"/>
+          </a:p>
+        </p:txBody>
+      </p:sp>
+      <p:sp>
+        <p:nvSpPr>
+          <p:cNvPr id="3" name="Content Placeholder 2"/>
+          <p:cNvSpPr>
+            <a:spLocks noGrp="1"/>
+          </p:cNvSpPr>
+          <p:nvPr>
+            <p:ph sz="quarter" idx="13"/>
+          </p:nvPr>
+        </p:nvSpPr>
+        <p:spPr>
+          <a:xfrm>
+            <a:off x="457200" y="1819876"/>
+            <a:ext cx="8229600" cy="4525963"/>
+          </a:xfrm>
+        </p:spPr>
+        <p:txBody>
+          <a:bodyPr/>
+          <a:lstStyle/>
+          <a:p>
+            <a:pPr marL="0" indent="0">
+              <a:buNone/>
+            </a:pPr>
+            <a:r>
+              <a:rPr lang="en-US" dirty="0" smtClean="0"/>
+              <a:t>Twitter REST API</a:t>
+            </a:r>
+          </a:p>
+          <a:p>
+            <a:pPr lvl="1"/>
+            <a:r>
+              <a:rPr lang="en-US" dirty="0" err="1" smtClean="0"/>
+              <a:t>Oauth</a:t>
+            </a:r>
+            <a:r>
+              <a:rPr lang="en-US" dirty="0" smtClean="0"/>
+              <a:t> Example: </a:t>
+            </a:r>
+            <a:r>
+              <a:rPr lang="en-US" dirty="0" smtClean="0">
+                <a:hlinkClick r:id="rId4"/>
+              </a:rPr>
+              <a:t>http://api.twitter.com/1/statuses/home_timeline.format</a:t>
+            </a:r>
+            <a:endParaRPr lang="en-US" dirty="0" smtClean="0"/>
+          </a:p>
+          <a:p>
+            <a:pPr lvl="2"/>
+            <a:r>
+              <a:rPr lang="en-US" dirty="0" smtClean="0"/>
+              <a:t>Optional parameters: count, metadata, …</a:t>
+            </a:r>
+          </a:p>
+          <a:p>
+            <a:pPr lvl="1"/>
+            <a:r>
+              <a:rPr lang="en-US" dirty="0" smtClean="0"/>
+              <a:t>Consumer token/secret of the App</a:t>
+            </a:r>
+          </a:p>
+          <a:p>
+            <a:pPr lvl="1"/>
+            <a:r>
+              <a:rPr lang="en-US" dirty="0" err="1" smtClean="0"/>
+              <a:t>Oauth</a:t>
+            </a:r>
+            <a:r>
+              <a:rPr lang="en-US" dirty="0" smtClean="0"/>
+              <a:t> token/verifier of the request</a:t>
+            </a:r>
+          </a:p>
+          <a:p>
+            <a:pPr lvl="1"/>
+            <a:r>
+              <a:rPr lang="en-US" dirty="0" smtClean="0"/>
+              <a:t>Access token/secret of User</a:t>
+            </a:r>
+            <a:br>
+              <a:rPr lang="en-US" dirty="0" smtClean="0"/>
+            </a:br>
+            <a:endParaRPr lang="en-US" dirty="0" smtClean="0"/>
+          </a:p>
+          <a:p>
+            <a:pPr lvl="2"/>
+            <a:endParaRPr lang="en-US" dirty="0" smtClean="0"/>
+          </a:p>
+          <a:p>
+            <a:pPr lvl="2"/>
+            <a:endParaRPr lang="en-US" dirty="0" smtClean="0"/>
+          </a:p>
+          <a:p>
+            <a:pPr lvl="1"/>
+            <a:endParaRPr lang="en-US" dirty="0"/>
+          </a:p>
+        </p:txBody>
+      </p:sp>
+      <p:pic>
+        <p:nvPicPr>
+          <p:cNvPr id="4098" name="Picture 2" descr="https://dev.twitter.com/sites/default/files/images_documentation/sign-in-flow3-3legged.png"/>
+          <p:cNvPicPr>
+            <a:picLocks noChangeAspect="1" noChangeArrowheads="1"/>
+          </p:cNvPicPr>
+          <p:nvPr/>
+        </p:nvPicPr>
+        <p:blipFill>
+          <a:blip r:embed="rId5"/>
+          <a:srcRect/>
+          <a:stretch>
+            <a:fillRect/>
+          </a:stretch>
+        </p:blipFill>
+        <p:spPr bwMode="auto">
+          <a:xfrm>
+            <a:off x="457200" y="4674134"/>
+            <a:ext cx="6276975" cy="1876425"/>
+          </a:xfrm>
+          <a:prstGeom prst="rect">
+            <a:avLst/>
+          </a:prstGeom>
+          <a:noFill/>
+        </p:spPr>
+      </p:pic>
     </p:spTree>
     <p:extLst>
       <p:ext uri="{BB962C8B-B14F-4D97-AF65-F5344CB8AC3E}">
-        <p14:creationId xmlns:p14="http://schemas.microsoft.com/office/powerpoint/2010/main" val="10880439"/>
+        <p14:creationId xmlns="" xmlns:p14="http://schemas.microsoft.com/office/powerpoint/2010/main" val="10880439"/>
       </p:ext>
     </p:extLst>
   </p:cSld>
@@ -9570,14 +10028,14 @@
   <p:timing>
     <p:tnLst>
       <p:par>
-        <p:cTn xmlns:p14="http://schemas.microsoft.com/office/powerpoint/2010/main" id="1" dur="indefinite" restart="never" nodeType="tmRoot"/>
+        <p:cTn id="1" dur="indefinite" restart="never" nodeType="tmRoot"/>
       </p:par>
     </p:tnLst>
   </p:timing>
 </p:sld>
 </file>
 
-<file path=ppt/slides/slide8.xml><?xml version="1.0" encoding="utf-8"?>
+<file path=ppt/slides/slide9.xml><?xml version="1.0" encoding="utf-8"?>
 <p:sld xmlns:a="http://schemas.openxmlformats.org/drawingml/2006/main" xmlns:r="http://schemas.openxmlformats.org/officeDocument/2006/relationships" xmlns:p="http://schemas.openxmlformats.org/presentationml/2006/main">
   <p:cSld>
     <p:spTree>
@@ -9606,7 +10064,7 @@
           <a:blip r:embed="rId2">
             <a:extLst>
               <a:ext uri="{28A0092B-C50C-407E-A947-70E740481C1C}">
-                <a14:useLocalDpi xmlns:a14="http://schemas.microsoft.com/office/drawing/2010/main" val="0"/>
+                <a14:useLocalDpi xmlns:a14="http://schemas.microsoft.com/office/drawing/2010/main" xmlns="" val="0"/>
               </a:ext>
             </a:extLst>
           </a:blip>
@@ -9743,7 +10201,7 @@
           <a:blip r:embed="rId3">
             <a:extLst>
               <a:ext uri="{BEBA8EAE-BF5A-486C-A8C5-ECC9F3942E4B}">
-                <a14:imgProps xmlns:a14="http://schemas.microsoft.com/office/drawing/2010/main">
+                <a14:imgProps xmlns:a14="http://schemas.microsoft.com/office/drawing/2010/main" xmlns="">
                   <a14:imgLayer r:embed="rId4">
                     <a14:imgEffect>
                       <a14:backgroundRemoval t="4688" b="89941" l="10000" r="86563">
@@ -9772,7 +10230,7 @@
     </p:spTree>
     <p:extLst>
       <p:ext uri="{BB962C8B-B14F-4D97-AF65-F5344CB8AC3E}">
-        <p14:creationId xmlns:p14="http://schemas.microsoft.com/office/powerpoint/2010/main" val="1422146805"/>
+        <p14:creationId xmlns:p14="http://schemas.microsoft.com/office/powerpoint/2010/main" xmlns="" val="1422146805"/>
       </p:ext>
     </p:extLst>
   </p:cSld>
@@ -9782,186 +10240,7 @@
   <p:timing>
     <p:tnLst>
       <p:par>
-        <p:cTn xmlns:p14="http://schemas.microsoft.com/office/powerpoint/2010/main" id="1" dur="indefinite" restart="never" nodeType="tmRoot"/>
-      </p:par>
-    </p:tnLst>
-  </p:timing>
-</p:sld>
-</file>
-
-<file path=ppt/slides/slide9.xml><?xml version="1.0" encoding="utf-8"?>
-<p:sld xmlns:a="http://schemas.openxmlformats.org/drawingml/2006/main" xmlns:r="http://schemas.openxmlformats.org/officeDocument/2006/relationships" xmlns:p="http://schemas.openxmlformats.org/presentationml/2006/main">
-  <p:cSld>
-    <p:spTree>
-      <p:nvGrpSpPr>
-        <p:cNvPr id="1" name=""/>
-        <p:cNvGrpSpPr/>
-        <p:nvPr/>
-      </p:nvGrpSpPr>
-      <p:grpSpPr>
-        <a:xfrm>
-          <a:off x="0" y="0"/>
-          <a:ext cx="0" cy="0"/>
-          <a:chOff x="0" y="0"/>
-          <a:chExt cx="0" cy="0"/>
-        </a:xfrm>
-      </p:grpSpPr>
-      <p:sp>
-        <p:nvSpPr>
-          <p:cNvPr id="2" name="Title 1"/>
-          <p:cNvSpPr>
-            <a:spLocks noGrp="1"/>
-          </p:cNvSpPr>
-          <p:nvPr>
-            <p:ph type="title"/>
-          </p:nvPr>
-        </p:nvSpPr>
-        <p:spPr/>
-        <p:txBody>
-          <a:bodyPr/>
-          <a:lstStyle/>
-          <a:p>
-            <a:r>
-              <a:rPr lang="en-US" dirty="0" smtClean="0"/>
-              <a:t>Technologies Used</a:t>
-            </a:r>
-            <a:endParaRPr lang="en-US" dirty="0"/>
-          </a:p>
-        </p:txBody>
-      </p:sp>
-      <p:sp>
-        <p:nvSpPr>
-          <p:cNvPr id="3" name="Content Placeholder 2"/>
-          <p:cNvSpPr>
-            <a:spLocks noGrp="1"/>
-          </p:cNvSpPr>
-          <p:nvPr>
-            <p:ph sz="quarter" idx="13"/>
-          </p:nvPr>
-        </p:nvSpPr>
-        <p:spPr>
-          <a:xfrm>
-            <a:off x="457200" y="1819876"/>
-            <a:ext cx="8229600" cy="4525963"/>
-          </a:xfrm>
-        </p:spPr>
-        <p:txBody>
-          <a:bodyPr/>
-          <a:lstStyle/>
-          <a:p>
-            <a:pPr marL="0" indent="0">
-              <a:buNone/>
-            </a:pPr>
-            <a:r>
-              <a:rPr lang="en-US" dirty="0" smtClean="0"/>
-              <a:t>Chrome Extension Tools, </a:t>
-            </a:r>
-            <a:r>
-              <a:rPr lang="en-US" dirty="0" err="1" smtClean="0"/>
-              <a:t>Javascript</a:t>
-            </a:r>
-            <a:endParaRPr lang="en-US" dirty="0" smtClean="0"/>
-          </a:p>
-          <a:p>
-            <a:pPr lvl="1"/>
-            <a:r>
-              <a:rPr lang="en-US" dirty="0" smtClean="0"/>
-              <a:t>Uses </a:t>
-            </a:r>
-            <a:r>
-              <a:rPr lang="en-US" dirty="0" err="1" smtClean="0"/>
-              <a:t>jQuery</a:t>
-            </a:r>
-            <a:r>
-              <a:rPr lang="en-US" dirty="0" smtClean="0"/>
-              <a:t> to create tooltip highlighting</a:t>
-            </a:r>
-          </a:p>
-          <a:p>
-            <a:pPr lvl="1"/>
-            <a:r>
-              <a:rPr lang="en-US" dirty="0" smtClean="0"/>
-              <a:t>Sends requests to the Cloud </a:t>
-            </a:r>
-          </a:p>
-          <a:p>
-            <a:pPr lvl="2"/>
-            <a:r>
-              <a:rPr lang="en-US" dirty="0" smtClean="0"/>
-              <a:t>Sends keywords and receives back tweets in </a:t>
-            </a:r>
-            <a:r>
-              <a:rPr lang="en-US" dirty="0" err="1" smtClean="0"/>
-              <a:t>json</a:t>
-            </a:r>
-            <a:r>
-              <a:rPr lang="en-US" smtClean="0"/>
-              <a:t> format</a:t>
-            </a:r>
-          </a:p>
-          <a:p>
-            <a:pPr marL="365760" lvl="1" indent="0">
-              <a:buNone/>
-            </a:pPr>
-            <a:endParaRPr lang="en-US" dirty="0" smtClean="0"/>
-          </a:p>
-          <a:p>
-            <a:endParaRPr lang="en-US" dirty="0"/>
-          </a:p>
-        </p:txBody>
-      </p:sp>
-      <p:pic>
-        <p:nvPicPr>
-          <p:cNvPr id="7" name="Picture 6"/>
-          <p:cNvPicPr>
-            <a:picLocks noChangeAspect="1"/>
-          </p:cNvPicPr>
-          <p:nvPr/>
-        </p:nvPicPr>
-        <p:blipFill>
-          <a:blip r:embed="rId2">
-            <a:extLst>
-              <a:ext uri="{BEBA8EAE-BF5A-486C-A8C5-ECC9F3942E4B}">
-                <a14:imgProps xmlns:a14="http://schemas.microsoft.com/office/drawing/2010/main">
-                  <a14:imgLayer r:embed="rId3">
-                    <a14:imgEffect>
-                      <a14:backgroundRemoval t="4688" b="89941" l="10000" r="86563">
-                        <a14:foregroundMark x1="63750" y1="37793" x2="63750" y2="37793"/>
-                      </a14:backgroundRemoval>
-                    </a14:imgEffect>
-                  </a14:imgLayer>
-                </a14:imgProps>
-              </a:ext>
-            </a:extLst>
-          </a:blip>
-          <a:stretch>
-            <a:fillRect/>
-          </a:stretch>
-        </p:blipFill>
-        <p:spPr>
-          <a:xfrm>
-            <a:off x="7030650" y="5086865"/>
-            <a:ext cx="1656150" cy="1324920"/>
-          </a:xfrm>
-          <a:prstGeom prst="rect">
-            <a:avLst/>
-          </a:prstGeom>
-        </p:spPr>
-      </p:pic>
-    </p:spTree>
-    <p:extLst>
-      <p:ext uri="{BB962C8B-B14F-4D97-AF65-F5344CB8AC3E}">
-        <p14:creationId xmlns:p14="http://schemas.microsoft.com/office/powerpoint/2010/main" val="3621912806"/>
-      </p:ext>
-    </p:extLst>
-  </p:cSld>
-  <p:clrMapOvr>
-    <a:masterClrMapping/>
-  </p:clrMapOvr>
-  <p:timing>
-    <p:tnLst>
-      <p:par>
-        <p:cTn xmlns:p14="http://schemas.microsoft.com/office/powerpoint/2010/main" id="1" dur="indefinite" restart="never" nodeType="tmRoot"/>
+        <p:cTn id="1" dur="indefinite" restart="never" nodeType="tmRoot"/>
       </p:par>
     </p:tnLst>
   </p:timing>

--- a/FinalProjPresentation.pptx
+++ b/FinalProjPresentation.pptx
@@ -117,7 +117,7 @@
   </p:defaultTextStyle>
   <p:extLst>
     <p:ext uri="{521415D9-36F7-43E2-AB2F-B90AF26B5E84}">
-      <p14:sectionLst xmlns:p14="http://schemas.microsoft.com/office/powerpoint/2010/main" xmlns="">
+      <p14:sectionLst xmlns="" xmlns:p14="http://schemas.microsoft.com/office/powerpoint/2010/main">
         <p14:section name="Default Section" id="{01AA4CE5-EF0B-F549-AD1B-E4D99B2E443B}">
           <p14:sldIdLst>
             <p14:sldId id="256"/>
@@ -376,7 +376,7 @@
     </p:spTree>
     <p:extLst>
       <p:ext uri="{BB962C8B-B14F-4D97-AF65-F5344CB8AC3E}">
-        <p14:creationId xmlns:p14="http://schemas.microsoft.com/office/powerpoint/2010/main" xmlns="" val="2652689859"/>
+        <p14:creationId xmlns="" xmlns:p14="http://schemas.microsoft.com/office/powerpoint/2010/main" val="2652689859"/>
       </p:ext>
     </p:extLst>
   </p:cSld>
@@ -548,7 +548,7 @@
     </p:spTree>
     <p:extLst>
       <p:ext uri="{BB962C8B-B14F-4D97-AF65-F5344CB8AC3E}">
-        <p14:creationId xmlns:p14="http://schemas.microsoft.com/office/powerpoint/2010/main" xmlns="" val="3191485533"/>
+        <p14:creationId xmlns="" xmlns:p14="http://schemas.microsoft.com/office/powerpoint/2010/main" val="3191485533"/>
       </p:ext>
     </p:extLst>
   </p:cSld>
@@ -730,7 +730,7 @@
     </p:spTree>
     <p:extLst>
       <p:ext uri="{BB962C8B-B14F-4D97-AF65-F5344CB8AC3E}">
-        <p14:creationId xmlns:p14="http://schemas.microsoft.com/office/powerpoint/2010/main" xmlns="" val="1920986561"/>
+        <p14:creationId xmlns="" xmlns:p14="http://schemas.microsoft.com/office/powerpoint/2010/main" val="1920986561"/>
       </p:ext>
     </p:extLst>
   </p:cSld>
@@ -1444,7 +1444,7 @@
             <a:alphaModFix amt="45000"/>
             <a:extLst>
               <a:ext uri="{BEBA8EAE-BF5A-486C-A8C5-ECC9F3942E4B}">
-                <a14:imgProps xmlns:a14="http://schemas.microsoft.com/office/drawing/2010/main" xmlns="">
+                <a14:imgProps xmlns="" xmlns:a14="http://schemas.microsoft.com/office/drawing/2010/main">
                   <a14:imgLayer r:embed="rId3">
                     <a14:imgEffect>
                       <a14:backgroundRemoval t="677" b="95937" l="0" r="98667">
@@ -1484,7 +1484,7 @@
             <a:alphaModFix amt="43000"/>
             <a:extLst>
               <a:ext uri="{BEBA8EAE-BF5A-486C-A8C5-ECC9F3942E4B}">
-                <a14:imgProps xmlns:a14="http://schemas.microsoft.com/office/drawing/2010/main" xmlns="">
+                <a14:imgProps xmlns="" xmlns:a14="http://schemas.microsoft.com/office/drawing/2010/main">
                   <a14:imgLayer r:embed="rId5">
                     <a14:imgEffect>
                       <a14:backgroundRemoval t="10000" b="90000" l="10000" r="90000"/>
@@ -3439,7 +3439,7 @@
     </p:spTree>
     <p:extLst>
       <p:ext uri="{BB962C8B-B14F-4D97-AF65-F5344CB8AC3E}">
-        <p14:creationId xmlns:p14="http://schemas.microsoft.com/office/powerpoint/2010/main" xmlns="" val="185357461"/>
+        <p14:creationId xmlns="" xmlns:p14="http://schemas.microsoft.com/office/powerpoint/2010/main" val="185357461"/>
       </p:ext>
     </p:extLst>
   </p:cSld>
@@ -4613,7 +4613,7 @@
     </p:spTree>
     <p:extLst>
       <p:ext uri="{BB962C8B-B14F-4D97-AF65-F5344CB8AC3E}">
-        <p14:creationId xmlns:p14="http://schemas.microsoft.com/office/powerpoint/2010/main" xmlns="" val="3137665293"/>
+        <p14:creationId xmlns="" xmlns:p14="http://schemas.microsoft.com/office/powerpoint/2010/main" val="3137665293"/>
       </p:ext>
     </p:extLst>
   </p:cSld>
@@ -4903,7 +4903,7 @@
     </p:spTree>
     <p:extLst>
       <p:ext uri="{BB962C8B-B14F-4D97-AF65-F5344CB8AC3E}">
-        <p14:creationId xmlns:p14="http://schemas.microsoft.com/office/powerpoint/2010/main" xmlns="" val="755437161"/>
+        <p14:creationId xmlns="" xmlns:p14="http://schemas.microsoft.com/office/powerpoint/2010/main" val="755437161"/>
       </p:ext>
     </p:extLst>
   </p:cSld>
@@ -5327,7 +5327,7 @@
     </p:spTree>
     <p:extLst>
       <p:ext uri="{BB962C8B-B14F-4D97-AF65-F5344CB8AC3E}">
-        <p14:creationId xmlns:p14="http://schemas.microsoft.com/office/powerpoint/2010/main" xmlns="" val="2464715175"/>
+        <p14:creationId xmlns="" xmlns:p14="http://schemas.microsoft.com/office/powerpoint/2010/main" val="2464715175"/>
       </p:ext>
     </p:extLst>
   </p:cSld>
@@ -5447,7 +5447,7 @@
     </p:spTree>
     <p:extLst>
       <p:ext uri="{BB962C8B-B14F-4D97-AF65-F5344CB8AC3E}">
-        <p14:creationId xmlns:p14="http://schemas.microsoft.com/office/powerpoint/2010/main" xmlns="" val="1377667079"/>
+        <p14:creationId xmlns="" xmlns:p14="http://schemas.microsoft.com/office/powerpoint/2010/main" val="1377667079"/>
       </p:ext>
     </p:extLst>
   </p:cSld>
@@ -5544,7 +5544,7 @@
     </p:spTree>
     <p:extLst>
       <p:ext uri="{BB962C8B-B14F-4D97-AF65-F5344CB8AC3E}">
-        <p14:creationId xmlns:p14="http://schemas.microsoft.com/office/powerpoint/2010/main" xmlns="" val="4184464099"/>
+        <p14:creationId xmlns="" xmlns:p14="http://schemas.microsoft.com/office/powerpoint/2010/main" val="4184464099"/>
       </p:ext>
     </p:extLst>
   </p:cSld>
@@ -5823,7 +5823,7 @@
     </p:spTree>
     <p:extLst>
       <p:ext uri="{BB962C8B-B14F-4D97-AF65-F5344CB8AC3E}">
-        <p14:creationId xmlns:p14="http://schemas.microsoft.com/office/powerpoint/2010/main" xmlns="" val="2527544198"/>
+        <p14:creationId xmlns="" xmlns:p14="http://schemas.microsoft.com/office/powerpoint/2010/main" val="2527544198"/>
       </p:ext>
     </p:extLst>
   </p:cSld>
@@ -6078,7 +6078,7 @@
     </p:spTree>
     <p:extLst>
       <p:ext uri="{BB962C8B-B14F-4D97-AF65-F5344CB8AC3E}">
-        <p14:creationId xmlns:p14="http://schemas.microsoft.com/office/powerpoint/2010/main" xmlns="" val="4162057796"/>
+        <p14:creationId xmlns="" xmlns:p14="http://schemas.microsoft.com/office/powerpoint/2010/main" val="4162057796"/>
       </p:ext>
     </p:extLst>
   </p:cSld>
@@ -6329,7 +6329,7 @@
     </p:spTree>
     <p:extLst>
       <p:ext uri="{BB962C8B-B14F-4D97-AF65-F5344CB8AC3E}">
-        <p14:creationId xmlns:p14="http://schemas.microsoft.com/office/powerpoint/2010/main" xmlns="" val="3269474631"/>
+        <p14:creationId xmlns="" xmlns:p14="http://schemas.microsoft.com/office/powerpoint/2010/main" val="3269474631"/>
       </p:ext>
     </p:extLst>
   </p:cSld>
@@ -7888,7 +7888,7 @@
             <a:alphaModFix amt="43000"/>
             <a:extLst>
               <a:ext uri="{BEBA8EAE-BF5A-486C-A8C5-ECC9F3942E4B}">
-                <a14:imgProps xmlns:a14="http://schemas.microsoft.com/office/drawing/2010/main" xmlns="">
+                <a14:imgProps xmlns="" xmlns:a14="http://schemas.microsoft.com/office/drawing/2010/main">
                   <a14:imgLayer r:embed="rId3">
                     <a14:imgEffect>
                       <a14:backgroundRemoval t="10000" b="90000" l="10000" r="90000"/>
@@ -8122,7 +8122,7 @@
             <a:alphaModFix amt="45000"/>
             <a:extLst>
               <a:ext uri="{BEBA8EAE-BF5A-486C-A8C5-ECC9F3942E4B}">
-                <a14:imgProps xmlns:a14="http://schemas.microsoft.com/office/drawing/2010/main" xmlns="">
+                <a14:imgProps xmlns="" xmlns:a14="http://schemas.microsoft.com/office/drawing/2010/main">
                   <a14:imgLayer r:embed="rId5">
                     <a14:imgEffect>
                       <a14:backgroundRemoval t="677" b="95937" l="0" r="98667">
@@ -8152,7 +8152,7 @@
     </p:spTree>
     <p:extLst>
       <p:ext uri="{BB962C8B-B14F-4D97-AF65-F5344CB8AC3E}">
-        <p14:creationId xmlns:p14="http://schemas.microsoft.com/office/powerpoint/2010/main" xmlns="" val="2144517530"/>
+        <p14:creationId xmlns="" xmlns:p14="http://schemas.microsoft.com/office/powerpoint/2010/main" val="2144517530"/>
       </p:ext>
     </p:extLst>
   </p:cSld>
@@ -8302,7 +8302,7 @@
           <a:blip r:embed="rId2">
             <a:extLst>
               <a:ext uri="{BEBA8EAE-BF5A-486C-A8C5-ECC9F3942E4B}">
-                <a14:imgProps xmlns:a14="http://schemas.microsoft.com/office/drawing/2010/main" xmlns="">
+                <a14:imgProps xmlns="" xmlns:a14="http://schemas.microsoft.com/office/drawing/2010/main">
                   <a14:imgLayer r:embed="rId3">
                     <a14:imgEffect>
                       <a14:backgroundRemoval t="4688" b="89941" l="10000" r="86563">
@@ -8331,7 +8331,7 @@
     </p:spTree>
     <p:extLst>
       <p:ext uri="{BB962C8B-B14F-4D97-AF65-F5344CB8AC3E}">
-        <p14:creationId xmlns:p14="http://schemas.microsoft.com/office/powerpoint/2010/main" xmlns="" val="3621912806"/>
+        <p14:creationId xmlns="" xmlns:p14="http://schemas.microsoft.com/office/powerpoint/2010/main" val="3621912806"/>
       </p:ext>
     </p:extLst>
   </p:cSld>
@@ -8400,7 +8400,7 @@
           <a:blip r:embed="rId2">
             <a:extLst>
               <a:ext uri="{BEBA8EAE-BF5A-486C-A8C5-ECC9F3942E4B}">
-                <a14:imgProps xmlns:a14="http://schemas.microsoft.com/office/drawing/2010/main" xmlns="">
+                <a14:imgProps xmlns="" xmlns:a14="http://schemas.microsoft.com/office/drawing/2010/main">
                   <a14:imgLayer r:embed="rId3">
                     <a14:imgEffect>
                       <a14:backgroundRemoval t="6272" b="91638" l="6000" r="57077">
@@ -8432,7 +8432,7 @@
     </p:spTree>
     <p:extLst>
       <p:ext uri="{BB962C8B-B14F-4D97-AF65-F5344CB8AC3E}">
-        <p14:creationId xmlns:p14="http://schemas.microsoft.com/office/powerpoint/2010/main" xmlns="" val="2323704991"/>
+        <p14:creationId xmlns="" xmlns:p14="http://schemas.microsoft.com/office/powerpoint/2010/main" val="2323704991"/>
       </p:ext>
     </p:extLst>
   </p:cSld>
@@ -8587,7 +8587,7 @@
           <a:blip r:embed="rId2">
             <a:extLst>
               <a:ext uri="{28A0092B-C50C-407E-A947-70E740481C1C}">
-                <a14:useLocalDpi xmlns:a14="http://schemas.microsoft.com/office/drawing/2010/main" xmlns="" val="0"/>
+                <a14:useLocalDpi xmlns="" xmlns:a14="http://schemas.microsoft.com/office/drawing/2010/main" val="0"/>
               </a:ext>
             </a:extLst>
           </a:blip>
@@ -8608,7 +8608,7 @@
     </p:spTree>
     <p:extLst>
       <p:ext uri="{BB962C8B-B14F-4D97-AF65-F5344CB8AC3E}">
-        <p14:creationId xmlns:p14="http://schemas.microsoft.com/office/powerpoint/2010/main" xmlns="" val="2369100358"/>
+        <p14:creationId xmlns="" xmlns:p14="http://schemas.microsoft.com/office/powerpoint/2010/main" val="2369100358"/>
       </p:ext>
     </p:extLst>
   </p:cSld>
@@ -8755,7 +8755,7 @@
           <a:blip r:embed="rId2">
             <a:extLst>
               <a:ext uri="{BEBA8EAE-BF5A-486C-A8C5-ECC9F3942E4B}">
-                <a14:imgProps xmlns:a14="http://schemas.microsoft.com/office/drawing/2010/main" xmlns="">
+                <a14:imgProps xmlns="" xmlns:a14="http://schemas.microsoft.com/office/drawing/2010/main">
                   <a14:imgLayer r:embed="rId3">
                     <a14:imgEffect>
                       <a14:backgroundRemoval t="1231" b="97538" l="2157" r="97451">
@@ -8792,7 +8792,7 @@
     </p:spTree>
     <p:extLst>
       <p:ext uri="{BB962C8B-B14F-4D97-AF65-F5344CB8AC3E}">
-        <p14:creationId xmlns:p14="http://schemas.microsoft.com/office/powerpoint/2010/main" xmlns="" val="4188604081"/>
+        <p14:creationId xmlns="" xmlns:p14="http://schemas.microsoft.com/office/powerpoint/2010/main" val="4188604081"/>
       </p:ext>
     </p:extLst>
   </p:cSld>
@@ -8926,7 +8926,7 @@
           <a:blip r:embed="rId2">
             <a:extLst>
               <a:ext uri="{28A0092B-C50C-407E-A947-70E740481C1C}">
-                <a14:useLocalDpi xmlns:a14="http://schemas.microsoft.com/office/drawing/2010/main" xmlns="" val="0"/>
+                <a14:useLocalDpi xmlns="" xmlns:a14="http://schemas.microsoft.com/office/drawing/2010/main" val="0"/>
               </a:ext>
             </a:extLst>
           </a:blip>
@@ -9246,7 +9246,7 @@
     </p:spTree>
     <p:extLst>
       <p:ext uri="{BB962C8B-B14F-4D97-AF65-F5344CB8AC3E}">
-        <p14:creationId xmlns:p14="http://schemas.microsoft.com/office/powerpoint/2010/main" xmlns="" val="420161913"/>
+        <p14:creationId xmlns="" xmlns:p14="http://schemas.microsoft.com/office/powerpoint/2010/main" val="420161913"/>
       </p:ext>
     </p:extLst>
   </p:cSld>
@@ -9387,7 +9387,7 @@
           <a:blip r:embed="rId2">
             <a:extLst>
               <a:ext uri="{BEBA8EAE-BF5A-486C-A8C5-ECC9F3942E4B}">
-                <a14:imgProps xmlns:a14="http://schemas.microsoft.com/office/drawing/2010/main" xmlns="">
+                <a14:imgProps xmlns="" xmlns:a14="http://schemas.microsoft.com/office/drawing/2010/main">
                   <a14:imgLayer r:embed="rId3">
                     <a14:imgEffect>
                       <a14:backgroundRemoval t="4688" b="89941" l="10000" r="86563">
@@ -9416,7 +9416,7 @@
     </p:spTree>
     <p:extLst>
       <p:ext uri="{BB962C8B-B14F-4D97-AF65-F5344CB8AC3E}">
-        <p14:creationId xmlns:p14="http://schemas.microsoft.com/office/powerpoint/2010/main" xmlns="" val="208449360"/>
+        <p14:creationId xmlns="" xmlns:p14="http://schemas.microsoft.com/office/powerpoint/2010/main" val="208449360"/>
       </p:ext>
     </p:extLst>
   </p:cSld>
@@ -9499,8 +9499,17 @@
             </a:r>
             <a:r>
               <a:rPr lang="en-US" dirty="0" smtClean="0"/>
-              <a:t>Engine</a:t>
-            </a:r>
+              <a:t>Engine (</a:t>
+            </a:r>
+            <a:r>
+              <a:rPr lang="en-US" dirty="0" err="1" smtClean="0"/>
+              <a:t>Oauth</a:t>
+            </a:r>
+            <a:r>
+              <a:rPr lang="en-US" dirty="0" smtClean="0"/>
+              <a:t>)</a:t>
+            </a:r>
+            <a:endParaRPr lang="en-US" dirty="0" smtClean="0"/>
           </a:p>
           <a:p>
             <a:r>
@@ -9509,15 +9518,20 @@
             </a:r>
             <a:r>
               <a:rPr lang="en-US" altLang="zh-CN" dirty="0" smtClean="0"/>
-              <a:t>instance</a:t>
+              <a:t>instance (Webpage and tweet analysis)</a:t>
             </a:r>
             <a:endParaRPr lang="en-US" dirty="0" smtClean="0"/>
           </a:p>
           <a:p>
             <a:r>
               <a:rPr lang="en-US" dirty="0" smtClean="0"/>
-              <a:t>Twitter REST API</a:t>
-            </a:r>
+              <a:t>Twitter REST </a:t>
+            </a:r>
+            <a:r>
+              <a:rPr lang="en-US" dirty="0" smtClean="0"/>
+              <a:t>API (Extract public and/or user’s tweets)</a:t>
+            </a:r>
+            <a:endParaRPr lang="en-US" dirty="0" smtClean="0"/>
           </a:p>
           <a:p>
             <a:r>
@@ -9553,7 +9567,7 @@
           <a:blip r:embed="rId2">
             <a:extLst>
               <a:ext uri="{BEBA8EAE-BF5A-486C-A8C5-ECC9F3942E4B}">
-                <a14:imgProps xmlns:a14="http://schemas.microsoft.com/office/drawing/2010/main" xmlns="">
+                <a14:imgProps xmlns="" xmlns:a14="http://schemas.microsoft.com/office/drawing/2010/main">
                   <a14:imgLayer r:embed="rId3">
                     <a14:imgEffect>
                       <a14:backgroundRemoval t="4688" b="89941" l="10000" r="86563">
@@ -9582,7 +9596,7 @@
     </p:spTree>
     <p:extLst>
       <p:ext uri="{BB962C8B-B14F-4D97-AF65-F5344CB8AC3E}">
-        <p14:creationId xmlns:p14="http://schemas.microsoft.com/office/powerpoint/2010/main" xmlns="" val="2340456491"/>
+        <p14:creationId xmlns="" xmlns:p14="http://schemas.microsoft.com/office/powerpoint/2010/main" val="2340456491"/>
       </p:ext>
     </p:extLst>
   </p:cSld>
@@ -9628,7 +9642,7 @@
           <a:blip r:embed="rId2">
             <a:extLst>
               <a:ext uri="{BEBA8EAE-BF5A-486C-A8C5-ECC9F3942E4B}">
-                <a14:imgProps xmlns="" xmlns:a14="http://schemas.microsoft.com/office/drawing/2010/main">
+                <a14:imgProps xmlns:a14="http://schemas.microsoft.com/office/drawing/2010/main" xmlns="">
                   <a14:imgLayer r:embed="rId3">
                     <a14:imgEffect>
                       <a14:backgroundRemoval t="4688" b="89941" l="10000" r="86563">
@@ -9798,7 +9812,7 @@
     </p:spTree>
     <p:extLst>
       <p:ext uri="{BB962C8B-B14F-4D97-AF65-F5344CB8AC3E}">
-        <p14:creationId xmlns="" xmlns:p14="http://schemas.microsoft.com/office/powerpoint/2010/main" val="10880439"/>
+        <p14:creationId xmlns:p14="http://schemas.microsoft.com/office/powerpoint/2010/main" xmlns="" val="10880439"/>
       </p:ext>
     </p:extLst>
   </p:cSld>
@@ -9844,7 +9858,7 @@
           <a:blip r:embed="rId2">
             <a:extLst>
               <a:ext uri="{BEBA8EAE-BF5A-486C-A8C5-ECC9F3942E4B}">
-                <a14:imgProps xmlns="" xmlns:a14="http://schemas.microsoft.com/office/drawing/2010/main">
+                <a14:imgProps xmlns:a14="http://schemas.microsoft.com/office/drawing/2010/main" xmlns="">
                   <a14:imgLayer r:embed="rId3">
                     <a14:imgEffect>
                       <a14:backgroundRemoval t="4688" b="89941" l="10000" r="86563">
@@ -10018,7 +10032,7 @@
     </p:spTree>
     <p:extLst>
       <p:ext uri="{BB962C8B-B14F-4D97-AF65-F5344CB8AC3E}">
-        <p14:creationId xmlns="" xmlns:p14="http://schemas.microsoft.com/office/powerpoint/2010/main" val="10880439"/>
+        <p14:creationId xmlns:p14="http://schemas.microsoft.com/office/powerpoint/2010/main" xmlns="" val="10880439"/>
       </p:ext>
     </p:extLst>
   </p:cSld>
@@ -10064,7 +10078,7 @@
           <a:blip r:embed="rId2">
             <a:extLst>
               <a:ext uri="{28A0092B-C50C-407E-A947-70E740481C1C}">
-                <a14:useLocalDpi xmlns:a14="http://schemas.microsoft.com/office/drawing/2010/main" xmlns="" val="0"/>
+                <a14:useLocalDpi xmlns="" xmlns:a14="http://schemas.microsoft.com/office/drawing/2010/main" val="0"/>
               </a:ext>
             </a:extLst>
           </a:blip>
@@ -10201,7 +10215,7 @@
           <a:blip r:embed="rId3">
             <a:extLst>
               <a:ext uri="{BEBA8EAE-BF5A-486C-A8C5-ECC9F3942E4B}">
-                <a14:imgProps xmlns:a14="http://schemas.microsoft.com/office/drawing/2010/main" xmlns="">
+                <a14:imgProps xmlns="" xmlns:a14="http://schemas.microsoft.com/office/drawing/2010/main">
                   <a14:imgLayer r:embed="rId4">
                     <a14:imgEffect>
                       <a14:backgroundRemoval t="4688" b="89941" l="10000" r="86563">
@@ -10230,7 +10244,7 @@
     </p:spTree>
     <p:extLst>
       <p:ext uri="{BB962C8B-B14F-4D97-AF65-F5344CB8AC3E}">
-        <p14:creationId xmlns:p14="http://schemas.microsoft.com/office/powerpoint/2010/main" xmlns="" val="1422146805"/>
+        <p14:creationId xmlns="" xmlns:p14="http://schemas.microsoft.com/office/powerpoint/2010/main" val="1422146805"/>
       </p:ext>
     </p:extLst>
   </p:cSld>

--- a/FinalProjPresentation.pptx
+++ b/FinalProjPresentation.pptx
@@ -117,7 +117,7 @@
   </p:defaultTextStyle>
   <p:extLst>
     <p:ext uri="{521415D9-36F7-43E2-AB2F-B90AF26B5E84}">
-      <p14:sectionLst xmlns="" xmlns:p14="http://schemas.microsoft.com/office/powerpoint/2010/main">
+      <p14:sectionLst xmlns:p14="http://schemas.microsoft.com/office/powerpoint/2010/main">
         <p14:section name="Default Section" id="{01AA4CE5-EF0B-F549-AD1B-E4D99B2E443B}">
           <p14:sldIdLst>
             <p14:sldId id="256"/>
@@ -130,7 +130,8 @@
             <p14:sldId id="260"/>
             <p14:sldId id="258"/>
             <p14:sldId id="262"/>
-            <p14:sldId id="263"/>
+            <p14:sldId id="267"/>
+            <p14:sldId id="268"/>
             <p14:sldId id="264"/>
             <p14:sldId id="265"/>
             <p14:sldId id="266"/>
@@ -376,7 +377,7 @@
     </p:spTree>
     <p:extLst>
       <p:ext uri="{BB962C8B-B14F-4D97-AF65-F5344CB8AC3E}">
-        <p14:creationId xmlns="" xmlns:p14="http://schemas.microsoft.com/office/powerpoint/2010/main" val="2652689859"/>
+        <p14:creationId xmlns:p14="http://schemas.microsoft.com/office/powerpoint/2010/main" val="2652689859"/>
       </p:ext>
     </p:extLst>
   </p:cSld>
@@ -548,7 +549,7 @@
     </p:spTree>
     <p:extLst>
       <p:ext uri="{BB962C8B-B14F-4D97-AF65-F5344CB8AC3E}">
-        <p14:creationId xmlns="" xmlns:p14="http://schemas.microsoft.com/office/powerpoint/2010/main" val="3191485533"/>
+        <p14:creationId xmlns:p14="http://schemas.microsoft.com/office/powerpoint/2010/main" val="3191485533"/>
       </p:ext>
     </p:extLst>
   </p:cSld>
@@ -730,7 +731,7 @@
     </p:spTree>
     <p:extLst>
       <p:ext uri="{BB962C8B-B14F-4D97-AF65-F5344CB8AC3E}">
-        <p14:creationId xmlns="" xmlns:p14="http://schemas.microsoft.com/office/powerpoint/2010/main" val="1920986561"/>
+        <p14:creationId xmlns:p14="http://schemas.microsoft.com/office/powerpoint/2010/main" val="1920986561"/>
       </p:ext>
     </p:extLst>
   </p:cSld>
@@ -1444,7 +1445,7 @@
             <a:alphaModFix amt="45000"/>
             <a:extLst>
               <a:ext uri="{BEBA8EAE-BF5A-486C-A8C5-ECC9F3942E4B}">
-                <a14:imgProps xmlns="" xmlns:a14="http://schemas.microsoft.com/office/drawing/2010/main">
+                <a14:imgProps xmlns:a14="http://schemas.microsoft.com/office/drawing/2010/main">
                   <a14:imgLayer r:embed="rId3">
                     <a14:imgEffect>
                       <a14:backgroundRemoval t="677" b="95937" l="0" r="98667">
@@ -1484,7 +1485,7 @@
             <a:alphaModFix amt="43000"/>
             <a:extLst>
               <a:ext uri="{BEBA8EAE-BF5A-486C-A8C5-ECC9F3942E4B}">
-                <a14:imgProps xmlns="" xmlns:a14="http://schemas.microsoft.com/office/drawing/2010/main">
+                <a14:imgProps xmlns:a14="http://schemas.microsoft.com/office/drawing/2010/main">
                   <a14:imgLayer r:embed="rId5">
                     <a14:imgEffect>
                       <a14:backgroundRemoval t="10000" b="90000" l="10000" r="90000"/>
@@ -3439,7 +3440,7 @@
     </p:spTree>
     <p:extLst>
       <p:ext uri="{BB962C8B-B14F-4D97-AF65-F5344CB8AC3E}">
-        <p14:creationId xmlns="" xmlns:p14="http://schemas.microsoft.com/office/powerpoint/2010/main" val="185357461"/>
+        <p14:creationId xmlns:p14="http://schemas.microsoft.com/office/powerpoint/2010/main" val="185357461"/>
       </p:ext>
     </p:extLst>
   </p:cSld>
@@ -4613,7 +4614,7 @@
     </p:spTree>
     <p:extLst>
       <p:ext uri="{BB962C8B-B14F-4D97-AF65-F5344CB8AC3E}">
-        <p14:creationId xmlns="" xmlns:p14="http://schemas.microsoft.com/office/powerpoint/2010/main" val="3137665293"/>
+        <p14:creationId xmlns:p14="http://schemas.microsoft.com/office/powerpoint/2010/main" val="3137665293"/>
       </p:ext>
     </p:extLst>
   </p:cSld>
@@ -4903,7 +4904,7 @@
     </p:spTree>
     <p:extLst>
       <p:ext uri="{BB962C8B-B14F-4D97-AF65-F5344CB8AC3E}">
-        <p14:creationId xmlns="" xmlns:p14="http://schemas.microsoft.com/office/powerpoint/2010/main" val="755437161"/>
+        <p14:creationId xmlns:p14="http://schemas.microsoft.com/office/powerpoint/2010/main" val="755437161"/>
       </p:ext>
     </p:extLst>
   </p:cSld>
@@ -5327,7 +5328,7 @@
     </p:spTree>
     <p:extLst>
       <p:ext uri="{BB962C8B-B14F-4D97-AF65-F5344CB8AC3E}">
-        <p14:creationId xmlns="" xmlns:p14="http://schemas.microsoft.com/office/powerpoint/2010/main" val="2464715175"/>
+        <p14:creationId xmlns:p14="http://schemas.microsoft.com/office/powerpoint/2010/main" val="2464715175"/>
       </p:ext>
     </p:extLst>
   </p:cSld>
@@ -5447,7 +5448,7 @@
     </p:spTree>
     <p:extLst>
       <p:ext uri="{BB962C8B-B14F-4D97-AF65-F5344CB8AC3E}">
-        <p14:creationId xmlns="" xmlns:p14="http://schemas.microsoft.com/office/powerpoint/2010/main" val="1377667079"/>
+        <p14:creationId xmlns:p14="http://schemas.microsoft.com/office/powerpoint/2010/main" val="1377667079"/>
       </p:ext>
     </p:extLst>
   </p:cSld>
@@ -5544,7 +5545,7 @@
     </p:spTree>
     <p:extLst>
       <p:ext uri="{BB962C8B-B14F-4D97-AF65-F5344CB8AC3E}">
-        <p14:creationId xmlns="" xmlns:p14="http://schemas.microsoft.com/office/powerpoint/2010/main" val="4184464099"/>
+        <p14:creationId xmlns:p14="http://schemas.microsoft.com/office/powerpoint/2010/main" val="4184464099"/>
       </p:ext>
     </p:extLst>
   </p:cSld>
@@ -5823,7 +5824,7 @@
     </p:spTree>
     <p:extLst>
       <p:ext uri="{BB962C8B-B14F-4D97-AF65-F5344CB8AC3E}">
-        <p14:creationId xmlns="" xmlns:p14="http://schemas.microsoft.com/office/powerpoint/2010/main" val="2527544198"/>
+        <p14:creationId xmlns:p14="http://schemas.microsoft.com/office/powerpoint/2010/main" val="2527544198"/>
       </p:ext>
     </p:extLst>
   </p:cSld>
@@ -6078,7 +6079,7 @@
     </p:spTree>
     <p:extLst>
       <p:ext uri="{BB962C8B-B14F-4D97-AF65-F5344CB8AC3E}">
-        <p14:creationId xmlns="" xmlns:p14="http://schemas.microsoft.com/office/powerpoint/2010/main" val="4162057796"/>
+        <p14:creationId xmlns:p14="http://schemas.microsoft.com/office/powerpoint/2010/main" val="4162057796"/>
       </p:ext>
     </p:extLst>
   </p:cSld>
@@ -6329,7 +6330,7 @@
     </p:spTree>
     <p:extLst>
       <p:ext uri="{BB962C8B-B14F-4D97-AF65-F5344CB8AC3E}">
-        <p14:creationId xmlns="" xmlns:p14="http://schemas.microsoft.com/office/powerpoint/2010/main" val="3269474631"/>
+        <p14:creationId xmlns:p14="http://schemas.microsoft.com/office/powerpoint/2010/main" val="3269474631"/>
       </p:ext>
     </p:extLst>
   </p:cSld>
@@ -7888,7 +7889,7 @@
             <a:alphaModFix amt="43000"/>
             <a:extLst>
               <a:ext uri="{BEBA8EAE-BF5A-486C-A8C5-ECC9F3942E4B}">
-                <a14:imgProps xmlns="" xmlns:a14="http://schemas.microsoft.com/office/drawing/2010/main">
+                <a14:imgProps xmlns:a14="http://schemas.microsoft.com/office/drawing/2010/main">
                   <a14:imgLayer r:embed="rId3">
                     <a14:imgEffect>
                       <a14:backgroundRemoval t="10000" b="90000" l="10000" r="90000"/>
@@ -8122,7 +8123,7 @@
             <a:alphaModFix amt="45000"/>
             <a:extLst>
               <a:ext uri="{BEBA8EAE-BF5A-486C-A8C5-ECC9F3942E4B}">
-                <a14:imgProps xmlns="" xmlns:a14="http://schemas.microsoft.com/office/drawing/2010/main">
+                <a14:imgProps xmlns:a14="http://schemas.microsoft.com/office/drawing/2010/main">
                   <a14:imgLayer r:embed="rId5">
                     <a14:imgEffect>
                       <a14:backgroundRemoval t="677" b="95937" l="0" r="98667">
@@ -8152,7 +8153,7 @@
     </p:spTree>
     <p:extLst>
       <p:ext uri="{BB962C8B-B14F-4D97-AF65-F5344CB8AC3E}">
-        <p14:creationId xmlns="" xmlns:p14="http://schemas.microsoft.com/office/powerpoint/2010/main" val="2144517530"/>
+        <p14:creationId xmlns:p14="http://schemas.microsoft.com/office/powerpoint/2010/main" val="2144517530"/>
       </p:ext>
     </p:extLst>
   </p:cSld>
@@ -8243,40 +8244,65 @@
             <a:endParaRPr lang="en-US" dirty="0" smtClean="0"/>
           </a:p>
           <a:p>
+            <a:pPr marL="0" indent="0">
+              <a:buNone/>
+            </a:pPr>
+            <a:endParaRPr lang="en-US" dirty="0" smtClean="0"/>
+          </a:p>
+          <a:p>
             <a:pPr lvl="1"/>
             <a:r>
-              <a:rPr lang="en-US" dirty="0" smtClean="0"/>
-              <a:t>Uses </a:t>
-            </a:r>
-            <a:r>
-              <a:rPr lang="en-US" dirty="0" err="1" smtClean="0"/>
+              <a:rPr lang="en-US" dirty="0"/>
+              <a:t>Sends requests to the Cloud </a:t>
+            </a:r>
+          </a:p>
+          <a:p>
+            <a:pPr lvl="2"/>
+            <a:r>
+              <a:rPr lang="en-US" dirty="0"/>
+              <a:t>Sends the currently opened wiki page and receives back tweets in </a:t>
+            </a:r>
+            <a:r>
+              <a:rPr lang="en-US" dirty="0" err="1"/>
+              <a:t>json</a:t>
+            </a:r>
+            <a:r>
+              <a:rPr lang="en-US" dirty="0"/>
+              <a:t> format</a:t>
+            </a:r>
+          </a:p>
+          <a:p>
+            <a:pPr lvl="1"/>
+            <a:r>
+              <a:rPr lang="en-US" dirty="0" err="1"/>
               <a:t>jQuery</a:t>
             </a:r>
             <a:r>
-              <a:rPr lang="en-US" dirty="0" smtClean="0"/>
-              <a:t> to create tooltip highlighting</a:t>
+              <a:rPr lang="en-US" dirty="0"/>
+              <a:t> and </a:t>
+            </a:r>
+            <a:r>
+              <a:rPr lang="en-US" dirty="0" err="1"/>
+              <a:t>jQuery</a:t>
+            </a:r>
+            <a:r>
+              <a:rPr lang="en-US" dirty="0"/>
+              <a:t> plugins (</a:t>
+            </a:r>
+            <a:r>
+              <a:rPr lang="en-US" dirty="0" err="1"/>
+              <a:t>qTip</a:t>
+            </a:r>
+            <a:r>
+              <a:rPr lang="en-US" dirty="0"/>
+              <a:t> plugin) to highlight the keywords on the page and create the twitter popups</a:t>
             </a:r>
           </a:p>
           <a:p>
             <a:pPr lvl="1"/>
             <a:r>
-              <a:rPr lang="en-US" dirty="0" smtClean="0"/>
-              <a:t>Sends requests to the Cloud </a:t>
-            </a:r>
-          </a:p>
-          <a:p>
-            <a:pPr lvl="2"/>
-            <a:r>
-              <a:rPr lang="en-US" dirty="0" smtClean="0"/>
-              <a:t>Sends keywords and receives back tweets in </a:t>
-            </a:r>
-            <a:r>
-              <a:rPr lang="en-US" dirty="0" err="1" smtClean="0"/>
-              <a:t>json</a:t>
-            </a:r>
-            <a:r>
-              <a:rPr lang="en-US" smtClean="0"/>
-              <a:t> format</a:t>
+              <a:rPr lang="en-US" dirty="0"/>
+              <a:t>CSS3 to style the twitter feed on the page</a:t>
             </a:r>
           </a:p>
           <a:p>
@@ -8302,7 +8328,7 @@
           <a:blip r:embed="rId2">
             <a:extLst>
               <a:ext uri="{BEBA8EAE-BF5A-486C-A8C5-ECC9F3942E4B}">
-                <a14:imgProps xmlns="" xmlns:a14="http://schemas.microsoft.com/office/drawing/2010/main">
+                <a14:imgProps xmlns:a14="http://schemas.microsoft.com/office/drawing/2010/main">
                   <a14:imgLayer r:embed="rId3">
                     <a14:imgEffect>
                       <a14:backgroundRemoval t="4688" b="89941" l="10000" r="86563">
@@ -8331,7 +8357,7 @@
     </p:spTree>
     <p:extLst>
       <p:ext uri="{BB962C8B-B14F-4D97-AF65-F5344CB8AC3E}">
-        <p14:creationId xmlns="" xmlns:p14="http://schemas.microsoft.com/office/powerpoint/2010/main" val="3621912806"/>
+        <p14:creationId xmlns:p14="http://schemas.microsoft.com/office/powerpoint/2010/main" val="3621912806"/>
       </p:ext>
     </p:extLst>
   </p:cSld>
@@ -8400,7 +8426,7 @@
           <a:blip r:embed="rId2">
             <a:extLst>
               <a:ext uri="{BEBA8EAE-BF5A-486C-A8C5-ECC9F3942E4B}">
-                <a14:imgProps xmlns="" xmlns:a14="http://schemas.microsoft.com/office/drawing/2010/main">
+                <a14:imgProps xmlns:a14="http://schemas.microsoft.com/office/drawing/2010/main">
                   <a14:imgLayer r:embed="rId3">
                     <a14:imgEffect>
                       <a14:backgroundRemoval t="6272" b="91638" l="6000" r="57077">
@@ -8432,7 +8458,7 @@
     </p:spTree>
     <p:extLst>
       <p:ext uri="{BB962C8B-B14F-4D97-AF65-F5344CB8AC3E}">
-        <p14:creationId xmlns="" xmlns:p14="http://schemas.microsoft.com/office/powerpoint/2010/main" val="2323704991"/>
+        <p14:creationId xmlns:p14="http://schemas.microsoft.com/office/powerpoint/2010/main" val="2323704991"/>
       </p:ext>
     </p:extLst>
   </p:cSld>
@@ -8587,7 +8613,7 @@
           <a:blip r:embed="rId2">
             <a:extLst>
               <a:ext uri="{28A0092B-C50C-407E-A947-70E740481C1C}">
-                <a14:useLocalDpi xmlns="" xmlns:a14="http://schemas.microsoft.com/office/drawing/2010/main" val="0"/>
+                <a14:useLocalDpi xmlns:a14="http://schemas.microsoft.com/office/drawing/2010/main" val="0"/>
               </a:ext>
             </a:extLst>
           </a:blip>
@@ -8608,7 +8634,7 @@
     </p:spTree>
     <p:extLst>
       <p:ext uri="{BB962C8B-B14F-4D97-AF65-F5344CB8AC3E}">
-        <p14:creationId xmlns="" xmlns:p14="http://schemas.microsoft.com/office/powerpoint/2010/main" val="2369100358"/>
+        <p14:creationId xmlns:p14="http://schemas.microsoft.com/office/powerpoint/2010/main" val="2369100358"/>
       </p:ext>
     </p:extLst>
   </p:cSld>
@@ -8755,7 +8781,7 @@
           <a:blip r:embed="rId2">
             <a:extLst>
               <a:ext uri="{BEBA8EAE-BF5A-486C-A8C5-ECC9F3942E4B}">
-                <a14:imgProps xmlns="" xmlns:a14="http://schemas.microsoft.com/office/drawing/2010/main">
+                <a14:imgProps xmlns:a14="http://schemas.microsoft.com/office/drawing/2010/main">
                   <a14:imgLayer r:embed="rId3">
                     <a14:imgEffect>
                       <a14:backgroundRemoval t="1231" b="97538" l="2157" r="97451">
@@ -8792,7 +8818,7 @@
     </p:spTree>
     <p:extLst>
       <p:ext uri="{BB962C8B-B14F-4D97-AF65-F5344CB8AC3E}">
-        <p14:creationId xmlns="" xmlns:p14="http://schemas.microsoft.com/office/powerpoint/2010/main" val="4188604081"/>
+        <p14:creationId xmlns:p14="http://schemas.microsoft.com/office/powerpoint/2010/main" val="4188604081"/>
       </p:ext>
     </p:extLst>
   </p:cSld>
@@ -8926,7 +8952,7 @@
           <a:blip r:embed="rId2">
             <a:extLst>
               <a:ext uri="{28A0092B-C50C-407E-A947-70E740481C1C}">
-                <a14:useLocalDpi xmlns="" xmlns:a14="http://schemas.microsoft.com/office/drawing/2010/main" val="0"/>
+                <a14:useLocalDpi xmlns:a14="http://schemas.microsoft.com/office/drawing/2010/main" val="0"/>
               </a:ext>
             </a:extLst>
           </a:blip>
@@ -9246,7 +9272,7 @@
     </p:spTree>
     <p:extLst>
       <p:ext uri="{BB962C8B-B14F-4D97-AF65-F5344CB8AC3E}">
-        <p14:creationId xmlns="" xmlns:p14="http://schemas.microsoft.com/office/powerpoint/2010/main" val="420161913"/>
+        <p14:creationId xmlns:p14="http://schemas.microsoft.com/office/powerpoint/2010/main" val="420161913"/>
       </p:ext>
     </p:extLst>
   </p:cSld>
@@ -9387,7 +9413,7 @@
           <a:blip r:embed="rId2">
             <a:extLst>
               <a:ext uri="{BEBA8EAE-BF5A-486C-A8C5-ECC9F3942E4B}">
-                <a14:imgProps xmlns="" xmlns:a14="http://schemas.microsoft.com/office/drawing/2010/main">
+                <a14:imgProps xmlns:a14="http://schemas.microsoft.com/office/drawing/2010/main">
                   <a14:imgLayer r:embed="rId3">
                     <a14:imgEffect>
                       <a14:backgroundRemoval t="4688" b="89941" l="10000" r="86563">
@@ -9416,7 +9442,7 @@
     </p:spTree>
     <p:extLst>
       <p:ext uri="{BB962C8B-B14F-4D97-AF65-F5344CB8AC3E}">
-        <p14:creationId xmlns="" xmlns:p14="http://schemas.microsoft.com/office/powerpoint/2010/main" val="208449360"/>
+        <p14:creationId xmlns:p14="http://schemas.microsoft.com/office/powerpoint/2010/main" val="208449360"/>
       </p:ext>
     </p:extLst>
   </p:cSld>
@@ -9495,11 +9521,7 @@
           <a:p>
             <a:r>
               <a:rPr lang="en-US" dirty="0" smtClean="0"/>
-              <a:t>Google App </a:t>
-            </a:r>
-            <a:r>
-              <a:rPr lang="en-US" dirty="0" smtClean="0"/>
-              <a:t>Engine (</a:t>
+              <a:t>Google App Engine (</a:t>
             </a:r>
             <a:r>
               <a:rPr lang="en-US" dirty="0" err="1" smtClean="0"/>
@@ -9509,29 +9531,19 @@
               <a:rPr lang="en-US" dirty="0" smtClean="0"/>
               <a:t>)</a:t>
             </a:r>
+          </a:p>
+          <a:p>
+            <a:r>
+              <a:rPr lang="en-US" altLang="zh-CN" dirty="0" smtClean="0"/>
+              <a:t>Amazon EC2 instance (Webpage and tweet analysis)</a:t>
+            </a:r>
             <a:endParaRPr lang="en-US" dirty="0" smtClean="0"/>
           </a:p>
           <a:p>
             <a:r>
-              <a:rPr lang="en-US" altLang="zh-CN" dirty="0" smtClean="0"/>
-              <a:t>Amazon EC2 </a:t>
-            </a:r>
-            <a:r>
-              <a:rPr lang="en-US" altLang="zh-CN" dirty="0" smtClean="0"/>
-              <a:t>instance (Webpage and tweet analysis)</a:t>
-            </a:r>
-            <a:endParaRPr lang="en-US" dirty="0" smtClean="0"/>
-          </a:p>
-          <a:p>
-            <a:r>
               <a:rPr lang="en-US" dirty="0" smtClean="0"/>
-              <a:t>Twitter REST </a:t>
-            </a:r>
-            <a:r>
-              <a:rPr lang="en-US" dirty="0" smtClean="0"/>
-              <a:t>API (Extract public and/or user’s tweets)</a:t>
-            </a:r>
-            <a:endParaRPr lang="en-US" dirty="0" smtClean="0"/>
+              <a:t>Twitter REST API (Extract public and/or user’s tweets)</a:t>
+            </a:r>
           </a:p>
           <a:p>
             <a:r>
@@ -9567,7 +9579,7 @@
           <a:blip r:embed="rId2">
             <a:extLst>
               <a:ext uri="{BEBA8EAE-BF5A-486C-A8C5-ECC9F3942E4B}">
-                <a14:imgProps xmlns="" xmlns:a14="http://schemas.microsoft.com/office/drawing/2010/main">
+                <a14:imgProps xmlns:a14="http://schemas.microsoft.com/office/drawing/2010/main">
                   <a14:imgLayer r:embed="rId3">
                     <a14:imgEffect>
                       <a14:backgroundRemoval t="4688" b="89941" l="10000" r="86563">
@@ -9596,7 +9608,7 @@
     </p:spTree>
     <p:extLst>
       <p:ext uri="{BB962C8B-B14F-4D97-AF65-F5344CB8AC3E}">
-        <p14:creationId xmlns="" xmlns:p14="http://schemas.microsoft.com/office/powerpoint/2010/main" val="2340456491"/>
+        <p14:creationId xmlns:p14="http://schemas.microsoft.com/office/powerpoint/2010/main" val="2340456491"/>
       </p:ext>
     </p:extLst>
   </p:cSld>
@@ -9642,7 +9654,7 @@
           <a:blip r:embed="rId2">
             <a:extLst>
               <a:ext uri="{BEBA8EAE-BF5A-486C-A8C5-ECC9F3942E4B}">
-                <a14:imgProps xmlns:a14="http://schemas.microsoft.com/office/drawing/2010/main" xmlns="">
+                <a14:imgProps xmlns:a14="http://schemas.microsoft.com/office/drawing/2010/main">
                   <a14:imgLayer r:embed="rId3">
                     <a14:imgEffect>
                       <a14:backgroundRemoval t="4688" b="89941" l="10000" r="86563">
@@ -9812,7 +9824,7 @@
     </p:spTree>
     <p:extLst>
       <p:ext uri="{BB962C8B-B14F-4D97-AF65-F5344CB8AC3E}">
-        <p14:creationId xmlns:p14="http://schemas.microsoft.com/office/powerpoint/2010/main" xmlns="" val="10880439"/>
+        <p14:creationId xmlns:p14="http://schemas.microsoft.com/office/powerpoint/2010/main" val="10880439"/>
       </p:ext>
     </p:extLst>
   </p:cSld>
@@ -9858,7 +9870,7 @@
           <a:blip r:embed="rId2">
             <a:extLst>
               <a:ext uri="{BEBA8EAE-BF5A-486C-A8C5-ECC9F3942E4B}">
-                <a14:imgProps xmlns:a14="http://schemas.microsoft.com/office/drawing/2010/main" xmlns="">
+                <a14:imgProps xmlns:a14="http://schemas.microsoft.com/office/drawing/2010/main">
                   <a14:imgLayer r:embed="rId3">
                     <a14:imgEffect>
                       <a14:backgroundRemoval t="4688" b="89941" l="10000" r="86563">
@@ -10032,7 +10044,7 @@
     </p:spTree>
     <p:extLst>
       <p:ext uri="{BB962C8B-B14F-4D97-AF65-F5344CB8AC3E}">
-        <p14:creationId xmlns:p14="http://schemas.microsoft.com/office/powerpoint/2010/main" xmlns="" val="10880439"/>
+        <p14:creationId xmlns:p14="http://schemas.microsoft.com/office/powerpoint/2010/main" val="10880439"/>
       </p:ext>
     </p:extLst>
   </p:cSld>
@@ -10078,7 +10090,7 @@
           <a:blip r:embed="rId2">
             <a:extLst>
               <a:ext uri="{28A0092B-C50C-407E-A947-70E740481C1C}">
-                <a14:useLocalDpi xmlns="" xmlns:a14="http://schemas.microsoft.com/office/drawing/2010/main" val="0"/>
+                <a14:useLocalDpi xmlns:a14="http://schemas.microsoft.com/office/drawing/2010/main" val="0"/>
               </a:ext>
             </a:extLst>
           </a:blip>
@@ -10215,7 +10227,7 @@
           <a:blip r:embed="rId3">
             <a:extLst>
               <a:ext uri="{BEBA8EAE-BF5A-486C-A8C5-ECC9F3942E4B}">
-                <a14:imgProps xmlns="" xmlns:a14="http://schemas.microsoft.com/office/drawing/2010/main">
+                <a14:imgProps xmlns:a14="http://schemas.microsoft.com/office/drawing/2010/main">
                   <a14:imgLayer r:embed="rId4">
                     <a14:imgEffect>
                       <a14:backgroundRemoval t="4688" b="89941" l="10000" r="86563">
@@ -10244,7 +10256,7 @@
     </p:spTree>
     <p:extLst>
       <p:ext uri="{BB962C8B-B14F-4D97-AF65-F5344CB8AC3E}">
-        <p14:creationId xmlns="" xmlns:p14="http://schemas.microsoft.com/office/powerpoint/2010/main" val="1422146805"/>
+        <p14:creationId xmlns:p14="http://schemas.microsoft.com/office/powerpoint/2010/main" val="1422146805"/>
       </p:ext>
     </p:extLst>
   </p:cSld>

--- a/FinalProjPresentation.pptx
+++ b/FinalProjPresentation.pptx
@@ -117,7 +117,7 @@
   </p:defaultTextStyle>
   <p:extLst>
     <p:ext uri="{521415D9-36F7-43E2-AB2F-B90AF26B5E84}">
-      <p14:sectionLst xmlns:p14="http://schemas.microsoft.com/office/powerpoint/2010/main">
+      <p14:sectionLst xmlns:p14="http://schemas.microsoft.com/office/powerpoint/2010/main" xmlns="">
         <p14:section name="Default Section" id="{01AA4CE5-EF0B-F549-AD1B-E4D99B2E443B}">
           <p14:sldIdLst>
             <p14:sldId id="256"/>
@@ -377,7 +377,7 @@
     </p:spTree>
     <p:extLst>
       <p:ext uri="{BB962C8B-B14F-4D97-AF65-F5344CB8AC3E}">
-        <p14:creationId xmlns:p14="http://schemas.microsoft.com/office/powerpoint/2010/main" val="2652689859"/>
+        <p14:creationId xmlns:p14="http://schemas.microsoft.com/office/powerpoint/2010/main" xmlns="" val="2652689859"/>
       </p:ext>
     </p:extLst>
   </p:cSld>
@@ -549,7 +549,7 @@
     </p:spTree>
     <p:extLst>
       <p:ext uri="{BB962C8B-B14F-4D97-AF65-F5344CB8AC3E}">
-        <p14:creationId xmlns:p14="http://schemas.microsoft.com/office/powerpoint/2010/main" val="3191485533"/>
+        <p14:creationId xmlns:p14="http://schemas.microsoft.com/office/powerpoint/2010/main" xmlns="" val="3191485533"/>
       </p:ext>
     </p:extLst>
   </p:cSld>
@@ -731,7 +731,7 @@
     </p:spTree>
     <p:extLst>
       <p:ext uri="{BB962C8B-B14F-4D97-AF65-F5344CB8AC3E}">
-        <p14:creationId xmlns:p14="http://schemas.microsoft.com/office/powerpoint/2010/main" val="1920986561"/>
+        <p14:creationId xmlns:p14="http://schemas.microsoft.com/office/powerpoint/2010/main" xmlns="" val="1920986561"/>
       </p:ext>
     </p:extLst>
   </p:cSld>
@@ -1445,7 +1445,7 @@
             <a:alphaModFix amt="45000"/>
             <a:extLst>
               <a:ext uri="{BEBA8EAE-BF5A-486C-A8C5-ECC9F3942E4B}">
-                <a14:imgProps xmlns:a14="http://schemas.microsoft.com/office/drawing/2010/main">
+                <a14:imgProps xmlns:a14="http://schemas.microsoft.com/office/drawing/2010/main" xmlns="">
                   <a14:imgLayer r:embed="rId3">
                     <a14:imgEffect>
                       <a14:backgroundRemoval t="677" b="95937" l="0" r="98667">
@@ -1485,7 +1485,7 @@
             <a:alphaModFix amt="43000"/>
             <a:extLst>
               <a:ext uri="{BEBA8EAE-BF5A-486C-A8C5-ECC9F3942E4B}">
-                <a14:imgProps xmlns:a14="http://schemas.microsoft.com/office/drawing/2010/main">
+                <a14:imgProps xmlns:a14="http://schemas.microsoft.com/office/drawing/2010/main" xmlns="">
                   <a14:imgLayer r:embed="rId5">
                     <a14:imgEffect>
                       <a14:backgroundRemoval t="10000" b="90000" l="10000" r="90000"/>
@@ -3440,7 +3440,7 @@
     </p:spTree>
     <p:extLst>
       <p:ext uri="{BB962C8B-B14F-4D97-AF65-F5344CB8AC3E}">
-        <p14:creationId xmlns:p14="http://schemas.microsoft.com/office/powerpoint/2010/main" val="185357461"/>
+        <p14:creationId xmlns:p14="http://schemas.microsoft.com/office/powerpoint/2010/main" xmlns="" val="185357461"/>
       </p:ext>
     </p:extLst>
   </p:cSld>
@@ -4614,7 +4614,7 @@
     </p:spTree>
     <p:extLst>
       <p:ext uri="{BB962C8B-B14F-4D97-AF65-F5344CB8AC3E}">
-        <p14:creationId xmlns:p14="http://schemas.microsoft.com/office/powerpoint/2010/main" val="3137665293"/>
+        <p14:creationId xmlns:p14="http://schemas.microsoft.com/office/powerpoint/2010/main" xmlns="" val="3137665293"/>
       </p:ext>
     </p:extLst>
   </p:cSld>
@@ -4904,7 +4904,7 @@
     </p:spTree>
     <p:extLst>
       <p:ext uri="{BB962C8B-B14F-4D97-AF65-F5344CB8AC3E}">
-        <p14:creationId xmlns:p14="http://schemas.microsoft.com/office/powerpoint/2010/main" val="755437161"/>
+        <p14:creationId xmlns:p14="http://schemas.microsoft.com/office/powerpoint/2010/main" xmlns="" val="755437161"/>
       </p:ext>
     </p:extLst>
   </p:cSld>
@@ -5328,7 +5328,7 @@
     </p:spTree>
     <p:extLst>
       <p:ext uri="{BB962C8B-B14F-4D97-AF65-F5344CB8AC3E}">
-        <p14:creationId xmlns:p14="http://schemas.microsoft.com/office/powerpoint/2010/main" val="2464715175"/>
+        <p14:creationId xmlns:p14="http://schemas.microsoft.com/office/powerpoint/2010/main" xmlns="" val="2464715175"/>
       </p:ext>
     </p:extLst>
   </p:cSld>
@@ -5448,7 +5448,7 @@
     </p:spTree>
     <p:extLst>
       <p:ext uri="{BB962C8B-B14F-4D97-AF65-F5344CB8AC3E}">
-        <p14:creationId xmlns:p14="http://schemas.microsoft.com/office/powerpoint/2010/main" val="1377667079"/>
+        <p14:creationId xmlns:p14="http://schemas.microsoft.com/office/powerpoint/2010/main" xmlns="" val="1377667079"/>
       </p:ext>
     </p:extLst>
   </p:cSld>
@@ -5545,7 +5545,7 @@
     </p:spTree>
     <p:extLst>
       <p:ext uri="{BB962C8B-B14F-4D97-AF65-F5344CB8AC3E}">
-        <p14:creationId xmlns:p14="http://schemas.microsoft.com/office/powerpoint/2010/main" val="4184464099"/>
+        <p14:creationId xmlns:p14="http://schemas.microsoft.com/office/powerpoint/2010/main" xmlns="" val="4184464099"/>
       </p:ext>
     </p:extLst>
   </p:cSld>
@@ -5824,7 +5824,7 @@
     </p:spTree>
     <p:extLst>
       <p:ext uri="{BB962C8B-B14F-4D97-AF65-F5344CB8AC3E}">
-        <p14:creationId xmlns:p14="http://schemas.microsoft.com/office/powerpoint/2010/main" val="2527544198"/>
+        <p14:creationId xmlns:p14="http://schemas.microsoft.com/office/powerpoint/2010/main" xmlns="" val="2527544198"/>
       </p:ext>
     </p:extLst>
   </p:cSld>
@@ -6079,7 +6079,7 @@
     </p:spTree>
     <p:extLst>
       <p:ext uri="{BB962C8B-B14F-4D97-AF65-F5344CB8AC3E}">
-        <p14:creationId xmlns:p14="http://schemas.microsoft.com/office/powerpoint/2010/main" val="4162057796"/>
+        <p14:creationId xmlns:p14="http://schemas.microsoft.com/office/powerpoint/2010/main" xmlns="" val="4162057796"/>
       </p:ext>
     </p:extLst>
   </p:cSld>
@@ -6330,7 +6330,7 @@
     </p:spTree>
     <p:extLst>
       <p:ext uri="{BB962C8B-B14F-4D97-AF65-F5344CB8AC3E}">
-        <p14:creationId xmlns:p14="http://schemas.microsoft.com/office/powerpoint/2010/main" val="3269474631"/>
+        <p14:creationId xmlns:p14="http://schemas.microsoft.com/office/powerpoint/2010/main" xmlns="" val="3269474631"/>
       </p:ext>
     </p:extLst>
   </p:cSld>
@@ -7614,8 +7614,8 @@
         </p:nvSpPr>
         <p:spPr>
           <a:xfrm>
-            <a:off x="1511181" y="3499595"/>
-            <a:ext cx="2250765" cy="1372416"/>
+            <a:off x="1511181" y="3499594"/>
+            <a:ext cx="2250765" cy="2000453"/>
           </a:xfrm>
         </p:spPr>
         <p:txBody>
@@ -7624,7 +7624,7 @@
           </a:bodyPr>
           <a:lstStyle/>
           <a:p>
-            <a:pPr>
+            <a:pPr algn="r">
               <a:spcBef>
                 <a:spcPts val="300"/>
               </a:spcBef>
@@ -7651,7 +7651,59 @@
                   </a:outerShdw>
                 </a:effectLst>
               </a:rPr>
-              <a:t>Edward Garcia</a:t>
+              <a:t>Group 5</a:t>
+            </a:r>
+          </a:p>
+          <a:p>
+            <a:pPr>
+              <a:spcBef>
+                <a:spcPts val="300"/>
+              </a:spcBef>
+              <a:spcAft>
+                <a:spcPts val="0"/>
+              </a:spcAft>
+            </a:pPr>
+            <a:r>
+              <a:rPr lang="en-US" sz="2000" b="1" dirty="0" smtClean="0">
+                <a:ln w="12700">
+                  <a:noFill/>
+                  <a:prstDash val="solid"/>
+                </a:ln>
+                <a:solidFill>
+                  <a:schemeClr val="bg2">
+                    <a:lumMod val="25000"/>
+                  </a:schemeClr>
+                </a:solidFill>
+                <a:effectLst>
+                  <a:outerShdw blurRad="75057" dist="38100" dir="5400000" sy="-20000" rotWithShape="0">
+                    <a:prstClr val="black">
+                      <a:alpha val="25000"/>
+                    </a:prstClr>
+                  </a:outerShdw>
+                </a:effectLst>
+              </a:rPr>
+              <a:t>Edward </a:t>
+            </a:r>
+            <a:r>
+              <a:rPr lang="en-US" sz="2000" b="1" dirty="0" smtClean="0">
+                <a:ln w="12700">
+                  <a:noFill/>
+                  <a:prstDash val="solid"/>
+                </a:ln>
+                <a:solidFill>
+                  <a:schemeClr val="bg2">
+                    <a:lumMod val="25000"/>
+                  </a:schemeClr>
+                </a:solidFill>
+                <a:effectLst>
+                  <a:outerShdw blurRad="75057" dist="38100" dir="5400000" sy="-20000" rotWithShape="0">
+                    <a:prstClr val="black">
+                      <a:alpha val="25000"/>
+                    </a:prstClr>
+                  </a:outerShdw>
+                </a:effectLst>
+              </a:rPr>
+              <a:t>Garcia</a:t>
             </a:r>
           </a:p>
           <a:p>
@@ -7889,7 +7941,7 @@
             <a:alphaModFix amt="43000"/>
             <a:extLst>
               <a:ext uri="{BEBA8EAE-BF5A-486C-A8C5-ECC9F3942E4B}">
-                <a14:imgProps xmlns:a14="http://schemas.microsoft.com/office/drawing/2010/main">
+                <a14:imgProps xmlns:a14="http://schemas.microsoft.com/office/drawing/2010/main" xmlns="">
                   <a14:imgLayer r:embed="rId3">
                     <a14:imgEffect>
                       <a14:backgroundRemoval t="10000" b="90000" l="10000" r="90000"/>
@@ -8123,7 +8175,7 @@
             <a:alphaModFix amt="45000"/>
             <a:extLst>
               <a:ext uri="{BEBA8EAE-BF5A-486C-A8C5-ECC9F3942E4B}">
-                <a14:imgProps xmlns:a14="http://schemas.microsoft.com/office/drawing/2010/main">
+                <a14:imgProps xmlns:a14="http://schemas.microsoft.com/office/drawing/2010/main" xmlns="">
                   <a14:imgLayer r:embed="rId5">
                     <a14:imgEffect>
                       <a14:backgroundRemoval t="677" b="95937" l="0" r="98667">
@@ -8153,7 +8205,7 @@
     </p:spTree>
     <p:extLst>
       <p:ext uri="{BB962C8B-B14F-4D97-AF65-F5344CB8AC3E}">
-        <p14:creationId xmlns:p14="http://schemas.microsoft.com/office/powerpoint/2010/main" val="2144517530"/>
+        <p14:creationId xmlns:p14="http://schemas.microsoft.com/office/powerpoint/2010/main" xmlns="" val="2144517530"/>
       </p:ext>
     </p:extLst>
   </p:cSld>
@@ -8328,7 +8380,7 @@
           <a:blip r:embed="rId2">
             <a:extLst>
               <a:ext uri="{BEBA8EAE-BF5A-486C-A8C5-ECC9F3942E4B}">
-                <a14:imgProps xmlns:a14="http://schemas.microsoft.com/office/drawing/2010/main">
+                <a14:imgProps xmlns:a14="http://schemas.microsoft.com/office/drawing/2010/main" xmlns="">
                   <a14:imgLayer r:embed="rId3">
                     <a14:imgEffect>
                       <a14:backgroundRemoval t="4688" b="89941" l="10000" r="86563">
@@ -8357,7 +8409,7 @@
     </p:spTree>
     <p:extLst>
       <p:ext uri="{BB962C8B-B14F-4D97-AF65-F5344CB8AC3E}">
-        <p14:creationId xmlns:p14="http://schemas.microsoft.com/office/powerpoint/2010/main" val="3621912806"/>
+        <p14:creationId xmlns:p14="http://schemas.microsoft.com/office/powerpoint/2010/main" xmlns="" val="3621912806"/>
       </p:ext>
     </p:extLst>
   </p:cSld>
@@ -8426,7 +8478,7 @@
           <a:blip r:embed="rId2">
             <a:extLst>
               <a:ext uri="{BEBA8EAE-BF5A-486C-A8C5-ECC9F3942E4B}">
-                <a14:imgProps xmlns:a14="http://schemas.microsoft.com/office/drawing/2010/main">
+                <a14:imgProps xmlns:a14="http://schemas.microsoft.com/office/drawing/2010/main" xmlns="">
                   <a14:imgLayer r:embed="rId3">
                     <a14:imgEffect>
                       <a14:backgroundRemoval t="6272" b="91638" l="6000" r="57077">
@@ -8458,7 +8510,7 @@
     </p:spTree>
     <p:extLst>
       <p:ext uri="{BB962C8B-B14F-4D97-AF65-F5344CB8AC3E}">
-        <p14:creationId xmlns:p14="http://schemas.microsoft.com/office/powerpoint/2010/main" val="2323704991"/>
+        <p14:creationId xmlns:p14="http://schemas.microsoft.com/office/powerpoint/2010/main" xmlns="" val="2323704991"/>
       </p:ext>
     </p:extLst>
   </p:cSld>
@@ -8613,7 +8665,7 @@
           <a:blip r:embed="rId2">
             <a:extLst>
               <a:ext uri="{28A0092B-C50C-407E-A947-70E740481C1C}">
-                <a14:useLocalDpi xmlns:a14="http://schemas.microsoft.com/office/drawing/2010/main" val="0"/>
+                <a14:useLocalDpi xmlns:a14="http://schemas.microsoft.com/office/drawing/2010/main" xmlns="" val="0"/>
               </a:ext>
             </a:extLst>
           </a:blip>
@@ -8634,7 +8686,7 @@
     </p:spTree>
     <p:extLst>
       <p:ext uri="{BB962C8B-B14F-4D97-AF65-F5344CB8AC3E}">
-        <p14:creationId xmlns:p14="http://schemas.microsoft.com/office/powerpoint/2010/main" val="2369100358"/>
+        <p14:creationId xmlns:p14="http://schemas.microsoft.com/office/powerpoint/2010/main" xmlns="" val="2369100358"/>
       </p:ext>
     </p:extLst>
   </p:cSld>
@@ -8781,7 +8833,7 @@
           <a:blip r:embed="rId2">
             <a:extLst>
               <a:ext uri="{BEBA8EAE-BF5A-486C-A8C5-ECC9F3942E4B}">
-                <a14:imgProps xmlns:a14="http://schemas.microsoft.com/office/drawing/2010/main">
+                <a14:imgProps xmlns:a14="http://schemas.microsoft.com/office/drawing/2010/main" xmlns="">
                   <a14:imgLayer r:embed="rId3">
                     <a14:imgEffect>
                       <a14:backgroundRemoval t="1231" b="97538" l="2157" r="97451">
@@ -8818,7 +8870,7 @@
     </p:spTree>
     <p:extLst>
       <p:ext uri="{BB962C8B-B14F-4D97-AF65-F5344CB8AC3E}">
-        <p14:creationId xmlns:p14="http://schemas.microsoft.com/office/powerpoint/2010/main" val="4188604081"/>
+        <p14:creationId xmlns:p14="http://schemas.microsoft.com/office/powerpoint/2010/main" xmlns="" val="4188604081"/>
       </p:ext>
     </p:extLst>
   </p:cSld>
@@ -8952,7 +9004,7 @@
           <a:blip r:embed="rId2">
             <a:extLst>
               <a:ext uri="{28A0092B-C50C-407E-A947-70E740481C1C}">
-                <a14:useLocalDpi xmlns:a14="http://schemas.microsoft.com/office/drawing/2010/main" val="0"/>
+                <a14:useLocalDpi xmlns:a14="http://schemas.microsoft.com/office/drawing/2010/main" xmlns="" val="0"/>
               </a:ext>
             </a:extLst>
           </a:blip>
@@ -9272,7 +9324,7 @@
     </p:spTree>
     <p:extLst>
       <p:ext uri="{BB962C8B-B14F-4D97-AF65-F5344CB8AC3E}">
-        <p14:creationId xmlns:p14="http://schemas.microsoft.com/office/powerpoint/2010/main" val="420161913"/>
+        <p14:creationId xmlns:p14="http://schemas.microsoft.com/office/powerpoint/2010/main" xmlns="" val="420161913"/>
       </p:ext>
     </p:extLst>
   </p:cSld>
@@ -9413,7 +9465,7 @@
           <a:blip r:embed="rId2">
             <a:extLst>
               <a:ext uri="{BEBA8EAE-BF5A-486C-A8C5-ECC9F3942E4B}">
-                <a14:imgProps xmlns:a14="http://schemas.microsoft.com/office/drawing/2010/main">
+                <a14:imgProps xmlns:a14="http://schemas.microsoft.com/office/drawing/2010/main" xmlns="">
                   <a14:imgLayer r:embed="rId3">
                     <a14:imgEffect>
                       <a14:backgroundRemoval t="4688" b="89941" l="10000" r="86563">
@@ -9442,7 +9494,7 @@
     </p:spTree>
     <p:extLst>
       <p:ext uri="{BB962C8B-B14F-4D97-AF65-F5344CB8AC3E}">
-        <p14:creationId xmlns:p14="http://schemas.microsoft.com/office/powerpoint/2010/main" val="208449360"/>
+        <p14:creationId xmlns:p14="http://schemas.microsoft.com/office/powerpoint/2010/main" xmlns="" val="208449360"/>
       </p:ext>
     </p:extLst>
   </p:cSld>
@@ -9579,7 +9631,7 @@
           <a:blip r:embed="rId2">
             <a:extLst>
               <a:ext uri="{BEBA8EAE-BF5A-486C-A8C5-ECC9F3942E4B}">
-                <a14:imgProps xmlns:a14="http://schemas.microsoft.com/office/drawing/2010/main">
+                <a14:imgProps xmlns:a14="http://schemas.microsoft.com/office/drawing/2010/main" xmlns="">
                   <a14:imgLayer r:embed="rId3">
                     <a14:imgEffect>
                       <a14:backgroundRemoval t="4688" b="89941" l="10000" r="86563">
@@ -9608,7 +9660,7 @@
     </p:spTree>
     <p:extLst>
       <p:ext uri="{BB962C8B-B14F-4D97-AF65-F5344CB8AC3E}">
-        <p14:creationId xmlns:p14="http://schemas.microsoft.com/office/powerpoint/2010/main" val="2340456491"/>
+        <p14:creationId xmlns:p14="http://schemas.microsoft.com/office/powerpoint/2010/main" xmlns="" val="2340456491"/>
       </p:ext>
     </p:extLst>
   </p:cSld>
@@ -9654,7 +9706,7 @@
           <a:blip r:embed="rId2">
             <a:extLst>
               <a:ext uri="{BEBA8EAE-BF5A-486C-A8C5-ECC9F3942E4B}">
-                <a14:imgProps xmlns:a14="http://schemas.microsoft.com/office/drawing/2010/main">
+                <a14:imgProps xmlns:a14="http://schemas.microsoft.com/office/drawing/2010/main" xmlns="">
                   <a14:imgLayer r:embed="rId3">
                     <a14:imgEffect>
                       <a14:backgroundRemoval t="4688" b="89941" l="10000" r="86563">
@@ -9824,7 +9876,7 @@
     </p:spTree>
     <p:extLst>
       <p:ext uri="{BB962C8B-B14F-4D97-AF65-F5344CB8AC3E}">
-        <p14:creationId xmlns:p14="http://schemas.microsoft.com/office/powerpoint/2010/main" val="10880439"/>
+        <p14:creationId xmlns:p14="http://schemas.microsoft.com/office/powerpoint/2010/main" xmlns="" val="10880439"/>
       </p:ext>
     </p:extLst>
   </p:cSld>
@@ -9870,7 +9922,7 @@
           <a:blip r:embed="rId2">
             <a:extLst>
               <a:ext uri="{BEBA8EAE-BF5A-486C-A8C5-ECC9F3942E4B}">
-                <a14:imgProps xmlns:a14="http://schemas.microsoft.com/office/drawing/2010/main">
+                <a14:imgProps xmlns:a14="http://schemas.microsoft.com/office/drawing/2010/main" xmlns="">
                   <a14:imgLayer r:embed="rId3">
                     <a14:imgEffect>
                       <a14:backgroundRemoval t="4688" b="89941" l="10000" r="86563">
@@ -9955,13 +10007,11 @@
             </a:r>
             <a:r>
               <a:rPr lang="en-US" dirty="0" smtClean="0"/>
-              <a:t> Example: </a:t>
-            </a:r>
-            <a:r>
-              <a:rPr lang="en-US" dirty="0" smtClean="0">
-                <a:hlinkClick r:id="rId4"/>
-              </a:rPr>
-              <a:t>http://api.twitter.com/1/statuses/home_timeline.format</a:t>
+              <a:t> Example: http://</a:t>
+            </a:r>
+            <a:r>
+              <a:rPr lang="en-US" dirty="0" smtClean="0"/>
+              <a:t>api.twitter.com/1/statuses/home_timeline.json</a:t>
             </a:r>
             <a:endParaRPr lang="en-US" dirty="0" smtClean="0"/>
           </a:p>
@@ -10024,7 +10074,7 @@
           <p:nvPr/>
         </p:nvPicPr>
         <p:blipFill>
-          <a:blip r:embed="rId5"/>
+          <a:blip r:embed="rId4"/>
           <a:srcRect/>
           <a:stretch>
             <a:fillRect/>
@@ -10044,7 +10094,7 @@
     </p:spTree>
     <p:extLst>
       <p:ext uri="{BB962C8B-B14F-4D97-AF65-F5344CB8AC3E}">
-        <p14:creationId xmlns:p14="http://schemas.microsoft.com/office/powerpoint/2010/main" val="10880439"/>
+        <p14:creationId xmlns:p14="http://schemas.microsoft.com/office/powerpoint/2010/main" xmlns="" val="10880439"/>
       </p:ext>
     </p:extLst>
   </p:cSld>
@@ -10090,7 +10140,7 @@
           <a:blip r:embed="rId2">
             <a:extLst>
               <a:ext uri="{28A0092B-C50C-407E-A947-70E740481C1C}">
-                <a14:useLocalDpi xmlns:a14="http://schemas.microsoft.com/office/drawing/2010/main" val="0"/>
+                <a14:useLocalDpi xmlns:a14="http://schemas.microsoft.com/office/drawing/2010/main" xmlns="" val="0"/>
               </a:ext>
             </a:extLst>
           </a:blip>
@@ -10227,7 +10277,7 @@
           <a:blip r:embed="rId3">
             <a:extLst>
               <a:ext uri="{BEBA8EAE-BF5A-486C-A8C5-ECC9F3942E4B}">
-                <a14:imgProps xmlns:a14="http://schemas.microsoft.com/office/drawing/2010/main">
+                <a14:imgProps xmlns:a14="http://schemas.microsoft.com/office/drawing/2010/main" xmlns="">
                   <a14:imgLayer r:embed="rId4">
                     <a14:imgEffect>
                       <a14:backgroundRemoval t="4688" b="89941" l="10000" r="86563">
@@ -10256,7 +10306,7 @@
     </p:spTree>
     <p:extLst>
       <p:ext uri="{BB962C8B-B14F-4D97-AF65-F5344CB8AC3E}">
-        <p14:creationId xmlns:p14="http://schemas.microsoft.com/office/powerpoint/2010/main" val="1422146805"/>
+        <p14:creationId xmlns:p14="http://schemas.microsoft.com/office/powerpoint/2010/main" xmlns="" val="1422146805"/>
       </p:ext>
     </p:extLst>
   </p:cSld>
